--- a/doc/conditional.pptx
+++ b/doc/conditional.pptx
@@ -7,11 +7,27 @@
   <p:sldIdLst>
     <p:sldId id="256" r:id="rId2"/>
     <p:sldId id="258" r:id="rId3"/>
-    <p:sldId id="262" r:id="rId4"/>
-    <p:sldId id="259" r:id="rId5"/>
-    <p:sldId id="260" r:id="rId6"/>
-    <p:sldId id="261" r:id="rId7"/>
-    <p:sldId id="257" r:id="rId8"/>
+    <p:sldId id="267" r:id="rId4"/>
+    <p:sldId id="268" r:id="rId5"/>
+    <p:sldId id="269" r:id="rId6"/>
+    <p:sldId id="270" r:id="rId7"/>
+    <p:sldId id="262" r:id="rId8"/>
+    <p:sldId id="259" r:id="rId9"/>
+    <p:sldId id="260" r:id="rId10"/>
+    <p:sldId id="263" r:id="rId11"/>
+    <p:sldId id="264" r:id="rId12"/>
+    <p:sldId id="257" r:id="rId13"/>
+    <p:sldId id="265" r:id="rId14"/>
+    <p:sldId id="266" r:id="rId15"/>
+    <p:sldId id="278" r:id="rId16"/>
+    <p:sldId id="277" r:id="rId17"/>
+    <p:sldId id="279" r:id="rId18"/>
+    <p:sldId id="271" r:id="rId19"/>
+    <p:sldId id="272" r:id="rId20"/>
+    <p:sldId id="273" r:id="rId21"/>
+    <p:sldId id="274" r:id="rId22"/>
+    <p:sldId id="275" r:id="rId23"/>
+    <p:sldId id="276" r:id="rId24"/>
   </p:sldIdLst>
   <p:sldSz cx="9144000" cy="6858000" type="screen4x3"/>
   <p:notesSz cx="6858000" cy="9144000"/>
@@ -295,7 +311,7 @@
             <a:fld id="{7A847CFC-816F-41D0-AAC0-9BF4FEBC753E}" type="datetimeFigureOut">
               <a:rPr lang="es-ES" smtClean="0"/>
               <a:pPr/>
-              <a:t>23/04/2015</a:t>
+              <a:t>24/04/2015</a:t>
             </a:fld>
             <a:endParaRPr lang="es-ES"/>
           </a:p>
@@ -462,7 +478,7 @@
             <a:fld id="{7A847CFC-816F-41D0-AAC0-9BF4FEBC753E}" type="datetimeFigureOut">
               <a:rPr lang="es-ES" smtClean="0"/>
               <a:pPr/>
-              <a:t>23/04/2015</a:t>
+              <a:t>24/04/2015</a:t>
             </a:fld>
             <a:endParaRPr lang="es-ES"/>
           </a:p>
@@ -639,7 +655,7 @@
             <a:fld id="{7A847CFC-816F-41D0-AAC0-9BF4FEBC753E}" type="datetimeFigureOut">
               <a:rPr lang="es-ES" smtClean="0"/>
               <a:pPr/>
-              <a:t>23/04/2015</a:t>
+              <a:t>24/04/2015</a:t>
             </a:fld>
             <a:endParaRPr lang="es-ES"/>
           </a:p>
@@ -806,7 +822,7 @@
             <a:fld id="{7A847CFC-816F-41D0-AAC0-9BF4FEBC753E}" type="datetimeFigureOut">
               <a:rPr lang="es-ES" smtClean="0"/>
               <a:pPr/>
-              <a:t>23/04/2015</a:t>
+              <a:t>24/04/2015</a:t>
             </a:fld>
             <a:endParaRPr lang="es-ES"/>
           </a:p>
@@ -1049,7 +1065,7 @@
             <a:fld id="{7A847CFC-816F-41D0-AAC0-9BF4FEBC753E}" type="datetimeFigureOut">
               <a:rPr lang="es-ES" smtClean="0"/>
               <a:pPr/>
-              <a:t>23/04/2015</a:t>
+              <a:t>24/04/2015</a:t>
             </a:fld>
             <a:endParaRPr lang="es-ES"/>
           </a:p>
@@ -1334,7 +1350,7 @@
             <a:fld id="{7A847CFC-816F-41D0-AAC0-9BF4FEBC753E}" type="datetimeFigureOut">
               <a:rPr lang="es-ES" smtClean="0"/>
               <a:pPr/>
-              <a:t>23/04/2015</a:t>
+              <a:t>24/04/2015</a:t>
             </a:fld>
             <a:endParaRPr lang="es-ES"/>
           </a:p>
@@ -1753,7 +1769,7 @@
             <a:fld id="{7A847CFC-816F-41D0-AAC0-9BF4FEBC753E}" type="datetimeFigureOut">
               <a:rPr lang="es-ES" smtClean="0"/>
               <a:pPr/>
-              <a:t>23/04/2015</a:t>
+              <a:t>24/04/2015</a:t>
             </a:fld>
             <a:endParaRPr lang="es-ES"/>
           </a:p>
@@ -1868,7 +1884,7 @@
             <a:fld id="{7A847CFC-816F-41D0-AAC0-9BF4FEBC753E}" type="datetimeFigureOut">
               <a:rPr lang="es-ES" smtClean="0"/>
               <a:pPr/>
-              <a:t>23/04/2015</a:t>
+              <a:t>24/04/2015</a:t>
             </a:fld>
             <a:endParaRPr lang="es-ES"/>
           </a:p>
@@ -1960,7 +1976,7 @@
             <a:fld id="{7A847CFC-816F-41D0-AAC0-9BF4FEBC753E}" type="datetimeFigureOut">
               <a:rPr lang="es-ES" smtClean="0"/>
               <a:pPr/>
-              <a:t>23/04/2015</a:t>
+              <a:t>24/04/2015</a:t>
             </a:fld>
             <a:endParaRPr lang="es-ES"/>
           </a:p>
@@ -2234,7 +2250,7 @@
             <a:fld id="{7A847CFC-816F-41D0-AAC0-9BF4FEBC753E}" type="datetimeFigureOut">
               <a:rPr lang="es-ES" smtClean="0"/>
               <a:pPr/>
-              <a:t>23/04/2015</a:t>
+              <a:t>24/04/2015</a:t>
             </a:fld>
             <a:endParaRPr lang="es-ES"/>
           </a:p>
@@ -2484,7 +2500,7 @@
             <a:fld id="{7A847CFC-816F-41D0-AAC0-9BF4FEBC753E}" type="datetimeFigureOut">
               <a:rPr lang="es-ES" smtClean="0"/>
               <a:pPr/>
-              <a:t>23/04/2015</a:t>
+              <a:t>24/04/2015</a:t>
             </a:fld>
             <a:endParaRPr lang="es-ES"/>
           </a:p>
@@ -2694,7 +2710,7 @@
             <a:fld id="{7A847CFC-816F-41D0-AAC0-9BF4FEBC753E}" type="datetimeFigureOut">
               <a:rPr lang="es-ES" smtClean="0"/>
               <a:pPr/>
-              <a:t>23/04/2015</a:t>
+              <a:t>24/04/2015</a:t>
             </a:fld>
             <a:endParaRPr lang="es-ES"/>
           </a:p>
@@ -3119,45 +3135,1261 @@
           </a:p>
         </p:txBody>
       </p:sp>
-      <p:sp>
-        <p:nvSpPr>
-          <p:cNvPr id="4" name="3 CuadroTexto"/>
-          <p:cNvSpPr txBox="1"/>
-          <p:nvPr/>
+    </p:spTree>
+  </p:cSld>
+  <p:clrMapOvr>
+    <a:masterClrMapping/>
+  </p:clrMapOvr>
+  <p:timing>
+    <p:tnLst>
+      <p:par>
+        <p:cTn id="1" dur="indefinite" restart="never" nodeType="tmRoot"/>
+      </p:par>
+    </p:tnLst>
+  </p:timing>
+</p:sld>
+</file>
+
+<file path=ppt/slides/slide10.xml><?xml version="1.0" encoding="utf-8"?>
+<p:sld xmlns:a="http://schemas.openxmlformats.org/drawingml/2006/main" xmlns:r="http://schemas.openxmlformats.org/officeDocument/2006/relationships" xmlns:p="http://schemas.openxmlformats.org/presentationml/2006/main">
+  <p:cSld>
+    <p:spTree>
+      <p:nvGrpSpPr>
+        <p:cNvPr id="1" name=""/>
+        <p:cNvGrpSpPr/>
+        <p:nvPr/>
+      </p:nvGrpSpPr>
+      <p:grpSpPr>
+        <a:xfrm>
+          <a:off x="0" y="0"/>
+          <a:ext cx="0" cy="0"/>
+          <a:chOff x="0" y="0"/>
+          <a:chExt cx="0" cy="0"/>
+        </a:xfrm>
+      </p:grpSpPr>
+      <p:sp>
+        <p:nvSpPr>
+          <p:cNvPr id="2" name="1 Título"/>
+          <p:cNvSpPr>
+            <a:spLocks noGrp="1"/>
+          </p:cNvSpPr>
+          <p:nvPr>
+            <p:ph type="title"/>
+          </p:nvPr>
+        </p:nvSpPr>
+        <p:spPr/>
+        <p:txBody>
+          <a:bodyPr>
+            <a:normAutofit fontScale="90000"/>
+          </a:bodyPr>
+          <a:lstStyle/>
+          <a:p>
+            <a:r>
+              <a:rPr lang="es-ES" smtClean="0"/>
+              <a:t>Instalación del servidor Conditional Linked Data: Configuración</a:t>
+            </a:r>
+            <a:endParaRPr lang="es-ES"/>
+          </a:p>
+        </p:txBody>
+      </p:sp>
+      <p:sp>
+        <p:nvSpPr>
+          <p:cNvPr id="3" name="2 Marcador de contenido"/>
+          <p:cNvSpPr>
+            <a:spLocks noGrp="1"/>
+          </p:cNvSpPr>
+          <p:nvPr>
+            <p:ph idx="1"/>
+          </p:nvPr>
         </p:nvSpPr>
         <p:spPr>
           <a:xfrm>
-            <a:off x="2214546" y="5786454"/>
-            <a:ext cx="5112746" cy="369332"/>
+            <a:off x="0" y="1600200"/>
+            <a:ext cx="9144000" cy="5257800"/>
+          </a:xfrm>
+        </p:spPr>
+        <p:txBody>
+          <a:bodyPr>
+            <a:normAutofit/>
+          </a:bodyPr>
+          <a:lstStyle/>
+          <a:p>
+            <a:r>
+              <a:rPr lang="es-ES" smtClean="0"/>
+              <a:t>Configuración por defecto. </a:t>
+            </a:r>
+            <a:r>
+              <a:rPr lang="es-ES" sz="1800" smtClean="0"/>
+              <a:t>LD conditional viene por defecto para ejecutarse como localhost y en el puerto 80</a:t>
+            </a:r>
+            <a:endParaRPr lang="es-ES" smtClean="0"/>
+          </a:p>
+          <a:p>
+            <a:r>
+              <a:rPr lang="es-ES" smtClean="0"/>
+              <a:t>Configurar Conditional Linked Data consiste en:</a:t>
+            </a:r>
+          </a:p>
+          <a:p>
+            <a:pPr lvl="1"/>
+            <a:r>
+              <a:rPr lang="es-ES" smtClean="0"/>
+              <a:t>Especificar un puerto donde sirve que sea diferente</a:t>
+            </a:r>
+          </a:p>
+          <a:p>
+            <a:pPr lvl="1"/>
+            <a:r>
+              <a:rPr lang="es-ES" smtClean="0"/>
+              <a:t>Hacer “rebase” a los datos para que sean verdaderamente linked data</a:t>
+            </a:r>
+          </a:p>
+          <a:p>
+            <a:r>
+              <a:rPr lang="es-ES" smtClean="0"/>
+              <a:t>Puerto y servidor. </a:t>
+            </a:r>
+            <a:r>
+              <a:rPr lang="es-ES" sz="1800" smtClean="0"/>
+              <a:t>El puerto y el servidor se especifican en el archivo de configuración LDR.config que está en el directorio de instalación</a:t>
+            </a:r>
+            <a:endParaRPr lang="es-ES" smtClean="0"/>
+          </a:p>
+          <a:p>
+            <a:r>
+              <a:rPr lang="es-ES" smtClean="0"/>
+              <a:t>Rebase. </a:t>
+            </a:r>
+            <a:r>
+              <a:rPr lang="es-ES" sz="1800" smtClean="0"/>
+              <a:t>Hay un archivo rebase.bat que permite hacer rebase muy fácilmente. Toma tres argumentos: dataset al que se le hace rebase, base origen y base destino. Por ejemplo:</a:t>
+            </a:r>
+          </a:p>
+          <a:p>
+            <a:pPr>
+              <a:buNone/>
+            </a:pPr>
+            <a:r>
+              <a:rPr lang="es-ES" sz="1800" smtClean="0">
+                <a:latin typeface="Courier New" pitchFamily="49" charset="0"/>
+                <a:cs typeface="Courier New" pitchFamily="49" charset="0"/>
+              </a:rPr>
+              <a:t>	rebase geo </a:t>
+            </a:r>
+            <a:r>
+              <a:rPr lang="es-ES" sz="1800" smtClean="0">
+                <a:latin typeface="Courier New" pitchFamily="49" charset="0"/>
+                <a:cs typeface="Courier New" pitchFamily="49" charset="0"/>
+                <a:hlinkClick r:id="rId2"/>
+              </a:rPr>
+              <a:t>http://localhost</a:t>
+            </a:r>
+            <a:r>
+              <a:rPr lang="es-ES" sz="1800" smtClean="0">
+                <a:latin typeface="Courier New" pitchFamily="49" charset="0"/>
+                <a:cs typeface="Courier New" pitchFamily="49" charset="0"/>
+              </a:rPr>
+              <a:t> </a:t>
+            </a:r>
+            <a:r>
+              <a:rPr lang="es-ES" sz="1800" smtClean="0">
+                <a:latin typeface="Courier New" pitchFamily="49" charset="0"/>
+                <a:cs typeface="Courier New" pitchFamily="49" charset="0"/>
+                <a:hlinkClick r:id="rId3"/>
+              </a:rPr>
+              <a:t>http://salonica.dia.fi.upm.es</a:t>
+            </a:r>
+            <a:r>
+              <a:rPr lang="es-ES" sz="1800" smtClean="0">
+                <a:latin typeface="Courier New" pitchFamily="49" charset="0"/>
+                <a:cs typeface="Courier New" pitchFamily="49" charset="0"/>
+              </a:rPr>
+              <a:t> </a:t>
+            </a:r>
+            <a:endParaRPr lang="es-ES" smtClean="0">
+              <a:latin typeface="Courier New" pitchFamily="49" charset="0"/>
+              <a:cs typeface="Courier New" pitchFamily="49" charset="0"/>
+            </a:endParaRPr>
+          </a:p>
+          <a:p>
+            <a:endParaRPr lang="es-ES"/>
+          </a:p>
+        </p:txBody>
+      </p:sp>
+    </p:spTree>
+  </p:cSld>
+  <p:clrMapOvr>
+    <a:masterClrMapping/>
+  </p:clrMapOvr>
+  <p:timing>
+    <p:tnLst>
+      <p:par>
+        <p:cTn id="1" dur="indefinite" restart="never" nodeType="tmRoot"/>
+      </p:par>
+    </p:tnLst>
+  </p:timing>
+</p:sld>
+</file>
+
+<file path=ppt/slides/slide11.xml><?xml version="1.0" encoding="utf-8"?>
+<p:sld xmlns:a="http://schemas.openxmlformats.org/drawingml/2006/main" xmlns:r="http://schemas.openxmlformats.org/officeDocument/2006/relationships" xmlns:p="http://schemas.openxmlformats.org/presentationml/2006/main">
+  <p:cSld>
+    <p:spTree>
+      <p:nvGrpSpPr>
+        <p:cNvPr id="1" name=""/>
+        <p:cNvGrpSpPr/>
+        <p:nvPr/>
+      </p:nvGrpSpPr>
+      <p:grpSpPr>
+        <a:xfrm>
+          <a:off x="0" y="0"/>
+          <a:ext cx="0" cy="0"/>
+          <a:chOff x="0" y="0"/>
+          <a:chExt cx="0" cy="0"/>
+        </a:xfrm>
+      </p:grpSpPr>
+      <p:sp>
+        <p:nvSpPr>
+          <p:cNvPr id="2" name="1 Título"/>
+          <p:cNvSpPr>
+            <a:spLocks noGrp="1"/>
+          </p:cNvSpPr>
+          <p:nvPr>
+            <p:ph type="title"/>
+          </p:nvPr>
+        </p:nvSpPr>
+        <p:spPr/>
+        <p:txBody>
+          <a:bodyPr>
+            <a:normAutofit fontScale="90000"/>
+          </a:bodyPr>
+          <a:lstStyle/>
+          <a:p>
+            <a:r>
+              <a:rPr lang="es-ES" smtClean="0"/>
+              <a:t>Instalación del servidor Conditional Linked Data: Ejecución</a:t>
+            </a:r>
+            <a:endParaRPr lang="es-ES"/>
+          </a:p>
+        </p:txBody>
+      </p:sp>
+      <p:sp>
+        <p:nvSpPr>
+          <p:cNvPr id="3" name="2 Marcador de contenido"/>
+          <p:cNvSpPr>
+            <a:spLocks noGrp="1"/>
+          </p:cNvSpPr>
+          <p:nvPr>
+            <p:ph idx="1"/>
+          </p:nvPr>
+        </p:nvSpPr>
+        <p:spPr>
+          <a:xfrm>
+            <a:off x="457200" y="1600200"/>
+            <a:ext cx="8686800" cy="4525963"/>
+          </a:xfrm>
+        </p:spPr>
+        <p:txBody>
+          <a:bodyPr>
+            <a:normAutofit/>
+          </a:bodyPr>
+          <a:lstStyle/>
+          <a:p>
+            <a:r>
+              <a:rPr lang="es-ES" smtClean="0"/>
+              <a:t>Conditional Linked Data es un servidor que no requiere de ningún otro programa (Apache, Tomcat, etc.). Se ejecuta como cualquier programa java. Hay un archivo .bat en el directorio de instalación:</a:t>
+            </a:r>
+          </a:p>
+          <a:p>
+            <a:pPr lvl="1"/>
+            <a:r>
+              <a:rPr lang="es-ES" smtClean="0"/>
+              <a:t>run.bat</a:t>
+            </a:r>
+          </a:p>
+          <a:p>
+            <a:pPr lvl="1"/>
+            <a:endParaRPr lang="es-ES" smtClean="0"/>
+          </a:p>
+          <a:p>
+            <a:pPr lvl="1">
+              <a:buNone/>
+            </a:pPr>
+            <a:r>
+              <a:rPr lang="es-ES" smtClean="0"/>
+              <a:t>Obsérvese que desde que se ejecuta hasta que se cargan los modelos puede pasar de 5 a 15 segundos.</a:t>
+            </a:r>
+            <a:endParaRPr lang="es-ES"/>
+          </a:p>
+        </p:txBody>
+      </p:sp>
+    </p:spTree>
+  </p:cSld>
+  <p:clrMapOvr>
+    <a:masterClrMapping/>
+  </p:clrMapOvr>
+  <p:timing>
+    <p:tnLst>
+      <p:par>
+        <p:cTn id="1" dur="indefinite" restart="never" nodeType="tmRoot"/>
+      </p:par>
+    </p:tnLst>
+  </p:timing>
+</p:sld>
+</file>
+
+<file path=ppt/slides/slide12.xml><?xml version="1.0" encoding="utf-8"?>
+<p:sld xmlns:a="http://schemas.openxmlformats.org/drawingml/2006/main" xmlns:r="http://schemas.openxmlformats.org/officeDocument/2006/relationships" xmlns:p="http://schemas.openxmlformats.org/presentationml/2006/main">
+  <p:cSld>
+    <p:spTree>
+      <p:nvGrpSpPr>
+        <p:cNvPr id="1" name=""/>
+        <p:cNvGrpSpPr/>
+        <p:nvPr/>
+      </p:nvGrpSpPr>
+      <p:grpSpPr>
+        <a:xfrm>
+          <a:off x="0" y="0"/>
+          <a:ext cx="0" cy="0"/>
+          <a:chOff x="0" y="0"/>
+          <a:chExt cx="0" cy="0"/>
+        </a:xfrm>
+      </p:grpSpPr>
+      <p:sp>
+        <p:nvSpPr>
+          <p:cNvPr id="2" name="1 Título"/>
+          <p:cNvSpPr>
+            <a:spLocks noGrp="1"/>
+          </p:cNvSpPr>
+          <p:nvPr>
+            <p:ph type="title"/>
+          </p:nvPr>
+        </p:nvSpPr>
+        <p:spPr/>
+        <p:txBody>
+          <a:bodyPr>
+            <a:normAutofit fontScale="90000"/>
+          </a:bodyPr>
+          <a:lstStyle/>
+          <a:p>
+            <a:r>
+              <a:rPr lang="es-ES" smtClean="0"/>
+              <a:t>Instalación del servidor Conditional Linked Data: Prueba</a:t>
+            </a:r>
+            <a:endParaRPr lang="es-ES"/>
+          </a:p>
+        </p:txBody>
+      </p:sp>
+      <p:sp>
+        <p:nvSpPr>
+          <p:cNvPr id="3" name="2 Marcador de contenido"/>
+          <p:cNvSpPr>
+            <a:spLocks noGrp="1"/>
+          </p:cNvSpPr>
+          <p:nvPr>
+            <p:ph idx="1"/>
+          </p:nvPr>
+        </p:nvSpPr>
+        <p:spPr/>
+        <p:txBody>
+          <a:bodyPr/>
+          <a:lstStyle/>
+          <a:p>
+            <a:r>
+              <a:rPr lang="es-ES" smtClean="0"/>
+              <a:t>Abriendo las página de prueba</a:t>
+            </a:r>
+          </a:p>
+          <a:p>
+            <a:pPr>
+              <a:buNone/>
+            </a:pPr>
+            <a:r>
+              <a:rPr lang="es-ES" smtClean="0"/>
+              <a:t>	</a:t>
+            </a:r>
+            <a:r>
+              <a:rPr lang="es-ES" smtClean="0">
+                <a:hlinkClick r:id="rId2"/>
+              </a:rPr>
+              <a:t>http://localhost/geo/</a:t>
+            </a:r>
+            <a:endParaRPr lang="es-ES" smtClean="0"/>
+          </a:p>
+          <a:p>
+            <a:pPr>
+              <a:buNone/>
+            </a:pPr>
+            <a:endParaRPr lang="es-ES" smtClean="0"/>
+          </a:p>
+          <a:p>
+            <a:pPr>
+              <a:buNone/>
+            </a:pPr>
+            <a:r>
+              <a:rPr lang="es-ES" smtClean="0"/>
+              <a:t>	Se debería mostrar la pantalla de entrada</a:t>
+            </a:r>
+            <a:endParaRPr lang="es-ES"/>
+          </a:p>
+        </p:txBody>
+      </p:sp>
+    </p:spTree>
+  </p:cSld>
+  <p:clrMapOvr>
+    <a:masterClrMapping/>
+  </p:clrMapOvr>
+  <p:timing>
+    <p:tnLst>
+      <p:par>
+        <p:cTn id="1" dur="indefinite" restart="never" nodeType="tmRoot"/>
+      </p:par>
+    </p:tnLst>
+  </p:timing>
+</p:sld>
+</file>
+
+<file path=ppt/slides/slide13.xml><?xml version="1.0" encoding="utf-8"?>
+<p:sld xmlns:a="http://schemas.openxmlformats.org/drawingml/2006/main" xmlns:r="http://schemas.openxmlformats.org/officeDocument/2006/relationships" xmlns:p="http://schemas.openxmlformats.org/presentationml/2006/main">
+  <p:cSld>
+    <p:spTree>
+      <p:nvGrpSpPr>
+        <p:cNvPr id="1" name=""/>
+        <p:cNvGrpSpPr/>
+        <p:nvPr/>
+      </p:nvGrpSpPr>
+      <p:grpSpPr>
+        <a:xfrm>
+          <a:off x="0" y="0"/>
+          <a:ext cx="0" cy="0"/>
+          <a:chOff x="0" y="0"/>
+          <a:chExt cx="0" cy="0"/>
+        </a:xfrm>
+      </p:grpSpPr>
+      <p:sp>
+        <p:nvSpPr>
+          <p:cNvPr id="3" name="2 Marcador de contenido"/>
+          <p:cNvSpPr>
+            <a:spLocks noGrp="1"/>
+          </p:cNvSpPr>
+          <p:nvPr>
+            <p:ph idx="1"/>
+          </p:nvPr>
+        </p:nvSpPr>
+        <p:spPr/>
+        <p:txBody>
+          <a:bodyPr>
+            <a:normAutofit/>
+          </a:bodyPr>
+          <a:lstStyle/>
+          <a:p>
+            <a:pPr algn="ctr">
+              <a:buNone/>
+            </a:pPr>
+            <a:r>
+              <a:rPr lang="es-ES" sz="7200" smtClean="0"/>
+              <a:t>DEMO</a:t>
+            </a:r>
+            <a:endParaRPr lang="es-ES" sz="7200"/>
+          </a:p>
+        </p:txBody>
+      </p:sp>
+    </p:spTree>
+  </p:cSld>
+  <p:clrMapOvr>
+    <a:masterClrMapping/>
+  </p:clrMapOvr>
+  <p:timing>
+    <p:tnLst>
+      <p:par>
+        <p:cTn id="1" dur="indefinite" restart="never" nodeType="tmRoot"/>
+      </p:par>
+    </p:tnLst>
+  </p:timing>
+</p:sld>
+</file>
+
+<file path=ppt/slides/slide14.xml><?xml version="1.0" encoding="utf-8"?>
+<p:sld xmlns:a="http://schemas.openxmlformats.org/drawingml/2006/main" xmlns:r="http://schemas.openxmlformats.org/officeDocument/2006/relationships" xmlns:p="http://schemas.openxmlformats.org/presentationml/2006/main">
+  <p:cSld>
+    <p:spTree>
+      <p:nvGrpSpPr>
+        <p:cNvPr id="1" name=""/>
+        <p:cNvGrpSpPr/>
+        <p:nvPr/>
+      </p:nvGrpSpPr>
+      <p:grpSpPr>
+        <a:xfrm>
+          <a:off x="0" y="0"/>
+          <a:ext cx="0" cy="0"/>
+          <a:chOff x="0" y="0"/>
+          <a:chExt cx="0" cy="0"/>
+        </a:xfrm>
+      </p:grpSpPr>
+      <p:sp>
+        <p:nvSpPr>
+          <p:cNvPr id="2" name="1 Título"/>
+          <p:cNvSpPr>
+            <a:spLocks noGrp="1"/>
+          </p:cNvSpPr>
+          <p:nvPr>
+            <p:ph type="title"/>
+          </p:nvPr>
+        </p:nvSpPr>
+        <p:spPr/>
+        <p:txBody>
+          <a:bodyPr/>
+          <a:lstStyle/>
+          <a:p>
+            <a:r>
+              <a:rPr lang="es-ES" smtClean="0"/>
+              <a:t>Ubicación de las demos</a:t>
+            </a:r>
+            <a:endParaRPr lang="es-ES"/>
+          </a:p>
+        </p:txBody>
+      </p:sp>
+      <p:sp>
+        <p:nvSpPr>
+          <p:cNvPr id="3" name="2 Marcador de contenido"/>
+          <p:cNvSpPr>
+            <a:spLocks noGrp="1"/>
+          </p:cNvSpPr>
+          <p:nvPr>
+            <p:ph idx="1"/>
+          </p:nvPr>
+        </p:nvSpPr>
+        <p:spPr/>
+        <p:txBody>
+          <a:bodyPr/>
+          <a:lstStyle/>
+          <a:p>
+            <a:r>
+              <a:rPr lang="es-ES" smtClean="0"/>
+              <a:t>La demo se puede ejecutar en:</a:t>
+            </a:r>
+          </a:p>
+          <a:p>
+            <a:pPr>
+              <a:buNone/>
+            </a:pPr>
+            <a:r>
+              <a:rPr lang="es-ES" smtClean="0"/>
+              <a:t>http://salonica.dia.fi.upm.es/geo</a:t>
+            </a:r>
+          </a:p>
+          <a:p>
+            <a:pPr>
+              <a:buNone/>
+            </a:pPr>
+            <a:endParaRPr lang="es-ES" smtClean="0"/>
+          </a:p>
+          <a:p>
+            <a:r>
+              <a:rPr lang="es-ES" smtClean="0"/>
+              <a:t>O tras instalarse, en:</a:t>
+            </a:r>
+          </a:p>
+          <a:p>
+            <a:pPr>
+              <a:buNone/>
+            </a:pPr>
+            <a:r>
+              <a:rPr lang="es-ES" smtClean="0"/>
+              <a:t>http://localhost/geo</a:t>
+            </a:r>
+            <a:endParaRPr lang="es-ES"/>
+          </a:p>
+        </p:txBody>
+      </p:sp>
+    </p:spTree>
+  </p:cSld>
+  <p:clrMapOvr>
+    <a:masterClrMapping/>
+  </p:clrMapOvr>
+  <p:timing>
+    <p:tnLst>
+      <p:par>
+        <p:cTn id="1" dur="indefinite" restart="never" nodeType="tmRoot"/>
+      </p:par>
+    </p:tnLst>
+  </p:timing>
+</p:sld>
+</file>
+
+<file path=ppt/slides/slide15.xml><?xml version="1.0" encoding="utf-8"?>
+<p:sld xmlns:a="http://schemas.openxmlformats.org/drawingml/2006/main" xmlns:r="http://schemas.openxmlformats.org/officeDocument/2006/relationships" xmlns:p="http://schemas.openxmlformats.org/presentationml/2006/main">
+  <p:cSld>
+    <p:spTree>
+      <p:nvGrpSpPr>
+        <p:cNvPr id="1" name=""/>
+        <p:cNvGrpSpPr/>
+        <p:nvPr/>
+      </p:nvGrpSpPr>
+      <p:grpSpPr>
+        <a:xfrm>
+          <a:off x="0" y="0"/>
+          <a:ext cx="0" cy="0"/>
+          <a:chOff x="0" y="0"/>
+          <a:chExt cx="0" cy="0"/>
+        </a:xfrm>
+      </p:grpSpPr>
+      <p:sp>
+        <p:nvSpPr>
+          <p:cNvPr id="2" name="1 Título"/>
+          <p:cNvSpPr>
+            <a:spLocks noGrp="1"/>
+          </p:cNvSpPr>
+          <p:nvPr>
+            <p:ph type="title"/>
+          </p:nvPr>
+        </p:nvSpPr>
+        <p:spPr>
+          <a:xfrm>
+            <a:off x="571472" y="0"/>
+            <a:ext cx="8229600" cy="1143000"/>
+          </a:xfrm>
+        </p:spPr>
+        <p:txBody>
+          <a:bodyPr/>
+          <a:lstStyle/>
+          <a:p>
+            <a:r>
+              <a:rPr lang="es-ES" smtClean="0"/>
+              <a:t>This is a Linked Data </a:t>
+            </a:r>
+            <a:r>
+              <a:rPr lang="es-ES" smtClean="0"/>
+              <a:t>Server </a:t>
+            </a:r>
+            <a:r>
+              <a:rPr lang="es-ES" smtClean="0"/>
+              <a:t>(i)</a:t>
+            </a:r>
+            <a:endParaRPr lang="es-ES"/>
+          </a:p>
+        </p:txBody>
+      </p:sp>
+      <p:sp>
+        <p:nvSpPr>
+          <p:cNvPr id="3" name="2 Marcador de contenido"/>
+          <p:cNvSpPr>
+            <a:spLocks noGrp="1"/>
+          </p:cNvSpPr>
+          <p:nvPr>
+            <p:ph idx="1"/>
+          </p:nvPr>
+        </p:nvSpPr>
+        <p:spPr>
+          <a:xfrm>
+            <a:off x="0" y="1600200"/>
+            <a:ext cx="9144000" cy="4525963"/>
+          </a:xfrm>
+        </p:spPr>
+        <p:txBody>
+          <a:bodyPr/>
+          <a:lstStyle/>
+          <a:p>
+            <a:pPr marL="0" indent="0">
+              <a:buNone/>
+            </a:pPr>
+            <a:r>
+              <a:rPr lang="es-ES" sz="2800" smtClean="0"/>
+              <a:t>A Linked Data server presents information about </a:t>
+            </a:r>
+            <a:r>
+              <a:rPr lang="es-ES" sz="2800" smtClean="0"/>
+              <a:t>a </a:t>
+            </a:r>
+            <a:r>
+              <a:rPr lang="es-ES" sz="2800" smtClean="0"/>
+              <a:t>resource: </a:t>
+            </a:r>
+          </a:p>
+          <a:p>
+            <a:pPr marL="0" indent="0">
+              <a:buNone/>
+            </a:pPr>
+            <a:r>
+              <a:rPr lang="es-ES" sz="2000" smtClean="0"/>
+              <a:t>http://salonica.dia.fi.upm.es/geo/resource/Provincia/Albacete</a:t>
+            </a:r>
+            <a:endParaRPr lang="es-ES" sz="2000"/>
+          </a:p>
+        </p:txBody>
+      </p:sp>
+      <p:pic>
+        <p:nvPicPr>
+          <p:cNvPr id="2050" name="Picture 2"/>
+          <p:cNvPicPr>
+            <a:picLocks noChangeAspect="1" noChangeArrowheads="1"/>
+          </p:cNvPicPr>
+          <p:nvPr/>
+        </p:nvPicPr>
+        <p:blipFill>
+          <a:blip r:embed="rId2"/>
+          <a:srcRect/>
+          <a:stretch>
+            <a:fillRect/>
+          </a:stretch>
+        </p:blipFill>
+        <p:spPr bwMode="auto">
+          <a:xfrm>
+            <a:off x="1500166" y="2643182"/>
+            <a:ext cx="5967413" cy="3848100"/>
           </a:xfrm>
           <a:prstGeom prst="rect">
             <a:avLst/>
           </a:prstGeom>
           <a:noFill/>
+          <a:ln w="9525">
+            <a:noFill/>
+            <a:miter lim="800000"/>
+            <a:headEnd/>
+            <a:tailEnd/>
+          </a:ln>
+          <a:effectLst/>
         </p:spPr>
-        <p:txBody>
-          <a:bodyPr wrap="none" rtlCol="0">
-            <a:spAutoFit/>
+      </p:pic>
+    </p:spTree>
+  </p:cSld>
+  <p:clrMapOvr>
+    <a:masterClrMapping/>
+  </p:clrMapOvr>
+  <p:timing>
+    <p:tnLst>
+      <p:par>
+        <p:cTn id="1" dur="indefinite" restart="never" nodeType="tmRoot"/>
+      </p:par>
+    </p:tnLst>
+  </p:timing>
+</p:sld>
+</file>
+
+<file path=ppt/slides/slide16.xml><?xml version="1.0" encoding="utf-8"?>
+<p:sld xmlns:a="http://schemas.openxmlformats.org/drawingml/2006/main" xmlns:r="http://schemas.openxmlformats.org/officeDocument/2006/relationships" xmlns:p="http://schemas.openxmlformats.org/presentationml/2006/main">
+  <p:cSld>
+    <p:spTree>
+      <p:nvGrpSpPr>
+        <p:cNvPr id="1" name=""/>
+        <p:cNvGrpSpPr/>
+        <p:nvPr/>
+      </p:nvGrpSpPr>
+      <p:grpSpPr>
+        <a:xfrm>
+          <a:off x="0" y="0"/>
+          <a:ext cx="0" cy="0"/>
+          <a:chOff x="0" y="0"/>
+          <a:chExt cx="0" cy="0"/>
+        </a:xfrm>
+      </p:grpSpPr>
+      <p:sp>
+        <p:nvSpPr>
+          <p:cNvPr id="2" name="1 Título"/>
+          <p:cNvSpPr>
+            <a:spLocks noGrp="1"/>
+          </p:cNvSpPr>
+          <p:nvPr>
+            <p:ph type="title"/>
+          </p:nvPr>
+        </p:nvSpPr>
+        <p:spPr>
+          <a:xfrm>
+            <a:off x="500034" y="0"/>
+            <a:ext cx="8229600" cy="1143000"/>
+          </a:xfrm>
+        </p:spPr>
+        <p:txBody>
+          <a:bodyPr/>
+          <a:lstStyle/>
+          <a:p>
+            <a:r>
+              <a:rPr lang="es-ES" smtClean="0"/>
+              <a:t>This is a Linked Data Server (ii)</a:t>
+            </a:r>
+            <a:endParaRPr lang="es-ES"/>
+          </a:p>
+        </p:txBody>
+      </p:sp>
+      <p:sp>
+        <p:nvSpPr>
+          <p:cNvPr id="3" name="2 Marcador de contenido"/>
+          <p:cNvSpPr>
+            <a:spLocks noGrp="1"/>
+          </p:cNvSpPr>
+          <p:nvPr>
+            <p:ph idx="1"/>
+          </p:nvPr>
+        </p:nvSpPr>
+        <p:spPr>
+          <a:xfrm>
+            <a:off x="457200" y="1214422"/>
+            <a:ext cx="8229600" cy="4911741"/>
+          </a:xfrm>
+        </p:spPr>
+        <p:txBody>
+          <a:bodyPr/>
+          <a:lstStyle/>
+          <a:p>
+            <a:pPr>
+              <a:buNone/>
+            </a:pPr>
+            <a:r>
+              <a:rPr lang="es-ES" sz="2800" smtClean="0"/>
+              <a:t>A Linked Data server serves info as RDF</a:t>
+            </a:r>
+          </a:p>
+          <a:p>
+            <a:pPr>
+              <a:buNone/>
+            </a:pPr>
+            <a:r>
+              <a:rPr lang="es-ES" sz="2400" smtClean="0"/>
+              <a:t>Vapour validation tests are passed</a:t>
+            </a:r>
+          </a:p>
+          <a:p>
+            <a:pPr lvl="1"/>
+            <a:r>
+              <a:rPr lang="es-ES" sz="1600" b="1" smtClean="0">
+                <a:latin typeface="Courier New" pitchFamily="49" charset="0"/>
+                <a:cs typeface="Courier New" pitchFamily="49" charset="0"/>
+                <a:hlinkClick r:id="rId2"/>
+              </a:rPr>
+              <a:t>http</a:t>
+            </a:r>
+            <a:r>
+              <a:rPr lang="es-ES" sz="1600" b="1" smtClean="0">
+                <a:latin typeface="Courier New" pitchFamily="49" charset="0"/>
+                <a:cs typeface="Courier New" pitchFamily="49" charset="0"/>
+                <a:hlinkClick r:id="rId2"/>
+              </a:rPr>
+              <a:t>://</a:t>
+            </a:r>
+            <a:r>
+              <a:rPr lang="es-ES" sz="1600" b="1" smtClean="0">
+                <a:latin typeface="Courier New" pitchFamily="49" charset="0"/>
+                <a:cs typeface="Courier New" pitchFamily="49" charset="0"/>
+                <a:hlinkClick r:id="rId2"/>
+              </a:rPr>
+              <a:t>validator.linkeddata.org/vapour</a:t>
+            </a:r>
+            <a:r>
+              <a:rPr lang="es-ES" sz="1600" smtClean="0">
+                <a:latin typeface="Courier New" pitchFamily="49" charset="0"/>
+                <a:cs typeface="Courier New" pitchFamily="49" charset="0"/>
+                <a:hlinkClick r:id="rId2"/>
+              </a:rPr>
+              <a:t>?uri=http%3A%2F%2Fsalonica.dia.fi.upm.es%2Fgeo%2Fresource%2FProvincia%2FAlbacete</a:t>
+            </a:r>
+            <a:endParaRPr lang="es-ES" sz="1600" smtClean="0">
+              <a:latin typeface="Courier New" pitchFamily="49" charset="0"/>
+              <a:cs typeface="Courier New" pitchFamily="49" charset="0"/>
+            </a:endParaRPr>
+          </a:p>
+          <a:p>
+            <a:endParaRPr lang="es-ES"/>
+          </a:p>
+        </p:txBody>
+      </p:sp>
+      <p:pic>
+        <p:nvPicPr>
+          <p:cNvPr id="1027" name="Picture 3"/>
+          <p:cNvPicPr>
+            <a:picLocks noChangeAspect="1" noChangeArrowheads="1"/>
+          </p:cNvPicPr>
+          <p:nvPr/>
+        </p:nvPicPr>
+        <p:blipFill>
+          <a:blip r:embed="rId3"/>
+          <a:srcRect/>
+          <a:stretch>
+            <a:fillRect/>
+          </a:stretch>
+        </p:blipFill>
+        <p:spPr bwMode="auto">
+          <a:xfrm>
+            <a:off x="1714480" y="3000372"/>
+            <a:ext cx="5837294" cy="3500438"/>
+          </a:xfrm>
+          <a:prstGeom prst="rect">
+            <a:avLst/>
+          </a:prstGeom>
+          <a:noFill/>
+          <a:ln w="9525">
+            <a:noFill/>
+            <a:miter lim="800000"/>
+            <a:headEnd/>
+            <a:tailEnd/>
+          </a:ln>
+          <a:effectLst/>
+        </p:spPr>
+      </p:pic>
+    </p:spTree>
+  </p:cSld>
+  <p:clrMapOvr>
+    <a:masterClrMapping/>
+  </p:clrMapOvr>
+  <p:timing>
+    <p:tnLst>
+      <p:par>
+        <p:cTn id="1" dur="indefinite" restart="never" nodeType="tmRoot"/>
+      </p:par>
+    </p:tnLst>
+  </p:timing>
+</p:sld>
+</file>
+
+<file path=ppt/slides/slide17.xml><?xml version="1.0" encoding="utf-8"?>
+<p:sld xmlns:a="http://schemas.openxmlformats.org/drawingml/2006/main" xmlns:r="http://schemas.openxmlformats.org/officeDocument/2006/relationships" xmlns:p="http://schemas.openxmlformats.org/presentationml/2006/main">
+  <p:cSld>
+    <p:spTree>
+      <p:nvGrpSpPr>
+        <p:cNvPr id="1" name=""/>
+        <p:cNvGrpSpPr/>
+        <p:nvPr/>
+      </p:nvGrpSpPr>
+      <p:grpSpPr>
+        <a:xfrm>
+          <a:off x="0" y="0"/>
+          <a:ext cx="0" cy="0"/>
+          <a:chOff x="0" y="0"/>
+          <a:chExt cx="0" cy="0"/>
+        </a:xfrm>
+      </p:grpSpPr>
+      <p:sp>
+        <p:nvSpPr>
+          <p:cNvPr id="2" name="1 Título"/>
+          <p:cNvSpPr>
+            <a:spLocks noGrp="1"/>
+          </p:cNvSpPr>
+          <p:nvPr>
+            <p:ph type="title"/>
+          </p:nvPr>
+        </p:nvSpPr>
+        <p:spPr/>
+        <p:txBody>
+          <a:bodyPr/>
+          <a:lstStyle/>
+          <a:p>
+            <a:endParaRPr lang="es-ES"/>
+          </a:p>
+        </p:txBody>
+      </p:sp>
+      <p:sp>
+        <p:nvSpPr>
+          <p:cNvPr id="3" name="2 Marcador de contenido"/>
+          <p:cNvSpPr>
+            <a:spLocks noGrp="1"/>
+          </p:cNvSpPr>
+          <p:nvPr>
+            <p:ph idx="1"/>
+          </p:nvPr>
+        </p:nvSpPr>
+        <p:spPr/>
+        <p:txBody>
+          <a:bodyPr/>
+          <a:lstStyle/>
+          <a:p>
+            <a:endParaRPr lang="es-ES"/>
+          </a:p>
+        </p:txBody>
+      </p:sp>
+    </p:spTree>
+  </p:cSld>
+  <p:clrMapOvr>
+    <a:masterClrMapping/>
+  </p:clrMapOvr>
+</p:sld>
+</file>
+
+<file path=ppt/slides/slide18.xml><?xml version="1.0" encoding="utf-8"?>
+<p:sld xmlns:a="http://schemas.openxmlformats.org/drawingml/2006/main" xmlns:r="http://schemas.openxmlformats.org/officeDocument/2006/relationships" xmlns:p="http://schemas.openxmlformats.org/presentationml/2006/main">
+  <p:cSld>
+    <p:spTree>
+      <p:nvGrpSpPr>
+        <p:cNvPr id="1" name=""/>
+        <p:cNvGrpSpPr/>
+        <p:nvPr/>
+      </p:nvGrpSpPr>
+      <p:grpSpPr>
+        <a:xfrm>
+          <a:off x="0" y="0"/>
+          <a:ext cx="0" cy="0"/>
+          <a:chOff x="0" y="0"/>
+          <a:chExt cx="0" cy="0"/>
+        </a:xfrm>
+      </p:grpSpPr>
+      <p:sp>
+        <p:nvSpPr>
+          <p:cNvPr id="2" name="1 Título"/>
+          <p:cNvSpPr>
+            <a:spLocks noGrp="1"/>
+          </p:cNvSpPr>
+          <p:nvPr>
+            <p:ph type="title"/>
+          </p:nvPr>
+        </p:nvSpPr>
+        <p:spPr>
+          <a:xfrm>
+            <a:off x="457200" y="274638"/>
+            <a:ext cx="8229600" cy="634082"/>
+          </a:xfrm>
+        </p:spPr>
+        <p:txBody>
+          <a:bodyPr>
+            <a:normAutofit fontScale="90000"/>
           </a:bodyPr>
           <a:lstStyle/>
           <a:p>
             <a:r>
-              <a:rPr lang="es-ES" b="1" smtClean="0">
-                <a:solidFill>
-                  <a:srgbClr val="FF0000"/>
-                </a:solidFill>
-              </a:rPr>
-              <a:t>Leer este documento costará alrededor de una hora</a:t>
-            </a:r>
-            <a:endParaRPr lang="es-ES" b="1">
-              <a:solidFill>
-                <a:srgbClr val="FF0000"/>
-              </a:solidFill>
-            </a:endParaRPr>
-          </a:p>
-        </p:txBody>
-      </p:sp>
+              <a:rPr lang="es-ES" smtClean="0"/>
+              <a:t>ODRL to conditionally serve Linked Data</a:t>
+            </a:r>
+            <a:endParaRPr lang="es-ES"/>
+          </a:p>
+        </p:txBody>
+      </p:sp>
+      <p:sp>
+        <p:nvSpPr>
+          <p:cNvPr id="4" name="3 Marcador de número de diapositiva"/>
+          <p:cNvSpPr>
+            <a:spLocks noGrp="1"/>
+          </p:cNvSpPr>
+          <p:nvPr>
+            <p:ph type="sldNum" sz="quarter" idx="10"/>
+          </p:nvPr>
+        </p:nvSpPr>
+        <p:spPr/>
+        <p:txBody>
+          <a:bodyPr/>
+          <a:lstStyle/>
+          <a:p>
+            <a:pPr>
+              <a:defRPr/>
+            </a:pPr>
+            <a:fld id="{4EDF5D83-0EF5-4BBA-A24C-F31194ACD9C4}" type="slidenum">
+              <a:rPr lang="es-ES" smtClean="0"/>
+              <a:pPr>
+                <a:defRPr/>
+              </a:pPr>
+              <a:t>18</a:t>
+            </a:fld>
+            <a:endParaRPr lang="es-ES"/>
+          </a:p>
+        </p:txBody>
+      </p:sp>
+      <p:sp>
+        <p:nvSpPr>
+          <p:cNvPr id="5" name="4 Marcador de pie de página"/>
+          <p:cNvSpPr>
+            <a:spLocks noGrp="1"/>
+          </p:cNvSpPr>
+          <p:nvPr>
+            <p:ph type="ftr" sz="quarter" idx="11"/>
+          </p:nvPr>
+        </p:nvSpPr>
+        <p:spPr/>
+        <p:txBody>
+          <a:bodyPr/>
+          <a:lstStyle/>
+          <a:p>
+            <a:pPr>
+              <a:defRPr/>
+            </a:pPr>
+            <a:r>
+              <a:rPr lang="es-ES" smtClean="0"/>
+              <a:t>…</a:t>
+            </a:r>
+            <a:endParaRPr lang="es-ES"/>
+          </a:p>
+        </p:txBody>
+      </p:sp>
+      <p:pic>
+        <p:nvPicPr>
+          <p:cNvPr id="47106" name="Picture 2"/>
+          <p:cNvPicPr>
+            <a:picLocks noChangeAspect="1" noChangeArrowheads="1"/>
+          </p:cNvPicPr>
+          <p:nvPr/>
+        </p:nvPicPr>
+        <p:blipFill>
+          <a:blip r:embed="rId2"/>
+          <a:srcRect/>
+          <a:stretch>
+            <a:fillRect/>
+          </a:stretch>
+        </p:blipFill>
+        <p:spPr bwMode="auto">
+          <a:xfrm>
+            <a:off x="285720" y="714356"/>
+            <a:ext cx="8471540" cy="5786478"/>
+          </a:xfrm>
+          <a:prstGeom prst="rect">
+            <a:avLst/>
+          </a:prstGeom>
+          <a:noFill/>
+          <a:ln w="9525">
+            <a:solidFill>
+              <a:schemeClr val="tx1"/>
+            </a:solidFill>
+            <a:miter lim="800000"/>
+            <a:headEnd/>
+            <a:tailEnd/>
+          </a:ln>
+          <a:effectLst/>
+        </p:spPr>
+      </p:pic>
     </p:spTree>
+    <p:extLst>
+      <p:ext uri="{BB962C8B-B14F-4D97-AF65-F5344CB8AC3E}">
+        <p14:creationId xmlns="" xmlns:p14="http://schemas.microsoft.com/office/powerpoint/2010/main" val="831477577"/>
+      </p:ext>
+    </p:extLst>
+  </p:cSld>
+  <p:clrMapOvr>
+    <a:masterClrMapping/>
+  </p:clrMapOvr>
+  <p:timing>
+    <p:tnLst>
+      <p:par>
+        <p:cTn id="1" dur="indefinite" restart="never" nodeType="tmRoot"/>
+      </p:par>
+    </p:tnLst>
+  </p:timing>
+</p:sld>
+</file>
+
+<file path=ppt/slides/slide19.xml><?xml version="1.0" encoding="utf-8"?>
+<p:sld xmlns:a="http://schemas.openxmlformats.org/drawingml/2006/main" xmlns:r="http://schemas.openxmlformats.org/officeDocument/2006/relationships" xmlns:p="http://schemas.openxmlformats.org/presentationml/2006/main">
+  <p:cSld>
+    <p:spTree>
+      <p:nvGrpSpPr>
+        <p:cNvPr id="1" name=""/>
+        <p:cNvGrpSpPr/>
+        <p:nvPr/>
+      </p:nvGrpSpPr>
+      <p:grpSpPr>
+        <a:xfrm>
+          <a:off x="0" y="0"/>
+          <a:ext cx="0" cy="0"/>
+          <a:chOff x="0" y="0"/>
+          <a:chExt cx="0" cy="0"/>
+        </a:xfrm>
+      </p:grpSpPr>
+      <p:sp>
+        <p:nvSpPr>
+          <p:cNvPr id="2" name="1 Título"/>
+          <p:cNvSpPr>
+            <a:spLocks noGrp="1"/>
+          </p:cNvSpPr>
+          <p:nvPr>
+            <p:ph type="title"/>
+          </p:nvPr>
+        </p:nvSpPr>
+        <p:spPr/>
+        <p:txBody>
+          <a:bodyPr/>
+          <a:lstStyle/>
+          <a:p>
+            <a:endParaRPr lang="es-ES"/>
+          </a:p>
+        </p:txBody>
+      </p:sp>
+      <p:sp>
+        <p:nvSpPr>
+          <p:cNvPr id="4" name="3 Marcador de número de diapositiva"/>
+          <p:cNvSpPr>
+            <a:spLocks noGrp="1"/>
+          </p:cNvSpPr>
+          <p:nvPr>
+            <p:ph type="sldNum" sz="quarter" idx="10"/>
+          </p:nvPr>
+        </p:nvSpPr>
+        <p:spPr/>
+        <p:txBody>
+          <a:bodyPr/>
+          <a:lstStyle/>
+          <a:p>
+            <a:pPr>
+              <a:defRPr/>
+            </a:pPr>
+            <a:fld id="{4EDF5D83-0EF5-4BBA-A24C-F31194ACD9C4}" type="slidenum">
+              <a:rPr lang="es-ES" smtClean="0"/>
+              <a:pPr>
+                <a:defRPr/>
+              </a:pPr>
+              <a:t>19</a:t>
+            </a:fld>
+            <a:endParaRPr lang="es-ES"/>
+          </a:p>
+        </p:txBody>
+      </p:sp>
+      <p:sp>
+        <p:nvSpPr>
+          <p:cNvPr id="5" name="4 Marcador de pie de página"/>
+          <p:cNvSpPr>
+            <a:spLocks noGrp="1"/>
+          </p:cNvSpPr>
+          <p:nvPr>
+            <p:ph type="ftr" sz="quarter" idx="11"/>
+          </p:nvPr>
+        </p:nvSpPr>
+        <p:spPr/>
+        <p:txBody>
+          <a:bodyPr/>
+          <a:lstStyle/>
+          <a:p>
+            <a:pPr>
+              <a:defRPr/>
+            </a:pPr>
+            <a:r>
+              <a:rPr lang="es-ES" smtClean="0"/>
+              <a:t>…</a:t>
+            </a:r>
+            <a:endParaRPr lang="es-ES"/>
+          </a:p>
+        </p:txBody>
+      </p:sp>
+      <p:pic>
+        <p:nvPicPr>
+          <p:cNvPr id="48130" name="Picture 2"/>
+          <p:cNvPicPr>
+            <a:picLocks noChangeAspect="1" noChangeArrowheads="1"/>
+          </p:cNvPicPr>
+          <p:nvPr/>
+        </p:nvPicPr>
+        <p:blipFill>
+          <a:blip r:embed="rId2"/>
+          <a:srcRect/>
+          <a:stretch>
+            <a:fillRect/>
+          </a:stretch>
+        </p:blipFill>
+        <p:spPr bwMode="auto">
+          <a:xfrm>
+            <a:off x="214282" y="714356"/>
+            <a:ext cx="8929718" cy="5853241"/>
+          </a:xfrm>
+          <a:prstGeom prst="rect">
+            <a:avLst/>
+          </a:prstGeom>
+          <a:noFill/>
+          <a:ln w="9525">
+            <a:noFill/>
+            <a:miter lim="800000"/>
+            <a:headEnd/>
+            <a:tailEnd/>
+          </a:ln>
+          <a:effectLst/>
+        </p:spPr>
+      </p:pic>
+    </p:spTree>
+    <p:extLst>
+      <p:ext uri="{BB962C8B-B14F-4D97-AF65-F5344CB8AC3E}">
+        <p14:creationId xmlns="" xmlns:p14="http://schemas.microsoft.com/office/powerpoint/2010/main" val="2171357192"/>
+      </p:ext>
+    </p:extLst>
   </p:cSld>
   <p:clrMapOvr>
     <a:masterClrMapping/>
@@ -3229,7 +4461,9 @@
           </a:xfrm>
         </p:spPr>
         <p:txBody>
-          <a:bodyPr/>
+          <a:bodyPr>
+            <a:normAutofit lnSpcReduction="10000"/>
+          </a:bodyPr>
           <a:lstStyle/>
           <a:p>
             <a:r>
@@ -3240,7 +4474,18 @@
           <a:p>
             <a:r>
               <a:rPr lang="es-ES" smtClean="0"/>
-              <a:t>Contiene dos partes:</a:t>
+              <a:t>Contiene:</a:t>
+            </a:r>
+          </a:p>
+          <a:p>
+            <a:pPr lvl="1"/>
+            <a:r>
+              <a:rPr lang="es-ES" b="1" smtClean="0"/>
+              <a:t>Conceptos básicos.</a:t>
+            </a:r>
+            <a:r>
+              <a:rPr lang="es-ES" smtClean="0"/>
+              <a:t> </a:t>
             </a:r>
           </a:p>
           <a:p>
@@ -3280,6 +4525,651 @@
       </p:par>
     </p:tnLst>
   </p:timing>
+</p:sld>
+</file>
+
+<file path=ppt/slides/slide20.xml><?xml version="1.0" encoding="utf-8"?>
+<p:sld xmlns:a="http://schemas.openxmlformats.org/drawingml/2006/main" xmlns:r="http://schemas.openxmlformats.org/officeDocument/2006/relationships" xmlns:p="http://schemas.openxmlformats.org/presentationml/2006/main">
+  <p:cSld>
+    <p:spTree>
+      <p:nvGrpSpPr>
+        <p:cNvPr id="1" name=""/>
+        <p:cNvGrpSpPr/>
+        <p:nvPr/>
+      </p:nvGrpSpPr>
+      <p:grpSpPr>
+        <a:xfrm>
+          <a:off x="0" y="0"/>
+          <a:ext cx="0" cy="0"/>
+          <a:chOff x="0" y="0"/>
+          <a:chExt cx="0" cy="0"/>
+        </a:xfrm>
+      </p:grpSpPr>
+      <p:sp>
+        <p:nvSpPr>
+          <p:cNvPr id="4" name="3 Marcador de número de diapositiva"/>
+          <p:cNvSpPr>
+            <a:spLocks noGrp="1"/>
+          </p:cNvSpPr>
+          <p:nvPr>
+            <p:ph type="sldNum" sz="quarter" idx="10"/>
+          </p:nvPr>
+        </p:nvSpPr>
+        <p:spPr/>
+        <p:txBody>
+          <a:bodyPr/>
+          <a:lstStyle/>
+          <a:p>
+            <a:pPr>
+              <a:defRPr/>
+            </a:pPr>
+            <a:fld id="{4EDF5D83-0EF5-4BBA-A24C-F31194ACD9C4}" type="slidenum">
+              <a:rPr lang="es-ES" smtClean="0"/>
+              <a:pPr>
+                <a:defRPr/>
+              </a:pPr>
+              <a:t>20</a:t>
+            </a:fld>
+            <a:endParaRPr lang="es-ES"/>
+          </a:p>
+        </p:txBody>
+      </p:sp>
+      <p:sp>
+        <p:nvSpPr>
+          <p:cNvPr id="5" name="4 Marcador de pie de página"/>
+          <p:cNvSpPr>
+            <a:spLocks noGrp="1"/>
+          </p:cNvSpPr>
+          <p:nvPr>
+            <p:ph type="ftr" sz="quarter" idx="11"/>
+          </p:nvPr>
+        </p:nvSpPr>
+        <p:spPr/>
+        <p:txBody>
+          <a:bodyPr/>
+          <a:lstStyle/>
+          <a:p>
+            <a:pPr>
+              <a:defRPr/>
+            </a:pPr>
+            <a:r>
+              <a:rPr lang="es-ES" smtClean="0"/>
+              <a:t>…</a:t>
+            </a:r>
+            <a:endParaRPr lang="es-ES"/>
+          </a:p>
+        </p:txBody>
+      </p:sp>
+      <p:pic>
+        <p:nvPicPr>
+          <p:cNvPr id="49154" name="Picture 2"/>
+          <p:cNvPicPr>
+            <a:picLocks noChangeAspect="1" noChangeArrowheads="1"/>
+          </p:cNvPicPr>
+          <p:nvPr/>
+        </p:nvPicPr>
+        <p:blipFill>
+          <a:blip r:embed="rId2"/>
+          <a:srcRect/>
+          <a:stretch>
+            <a:fillRect/>
+          </a:stretch>
+        </p:blipFill>
+        <p:spPr bwMode="auto">
+          <a:xfrm>
+            <a:off x="285720" y="857232"/>
+            <a:ext cx="8501122" cy="5611246"/>
+          </a:xfrm>
+          <a:prstGeom prst="rect">
+            <a:avLst/>
+          </a:prstGeom>
+          <a:noFill/>
+          <a:ln w="9525">
+            <a:solidFill>
+              <a:schemeClr val="tx1"/>
+            </a:solidFill>
+            <a:miter lim="800000"/>
+            <a:headEnd/>
+            <a:tailEnd/>
+          </a:ln>
+          <a:effectLst/>
+        </p:spPr>
+      </p:pic>
+      <p:pic>
+        <p:nvPicPr>
+          <p:cNvPr id="49155" name="Picture 3"/>
+          <p:cNvPicPr>
+            <a:picLocks noChangeAspect="1" noChangeArrowheads="1"/>
+          </p:cNvPicPr>
+          <p:nvPr/>
+        </p:nvPicPr>
+        <p:blipFill>
+          <a:blip r:embed="rId3"/>
+          <a:srcRect/>
+          <a:stretch>
+            <a:fillRect/>
+          </a:stretch>
+        </p:blipFill>
+        <p:spPr bwMode="auto">
+          <a:xfrm>
+            <a:off x="4214810" y="1643050"/>
+            <a:ext cx="6172200" cy="3067050"/>
+          </a:xfrm>
+          <a:prstGeom prst="rect">
+            <a:avLst/>
+          </a:prstGeom>
+          <a:noFill/>
+          <a:ln w="9525">
+            <a:solidFill>
+              <a:schemeClr val="tx1"/>
+            </a:solidFill>
+            <a:miter lim="800000"/>
+            <a:headEnd/>
+            <a:tailEnd/>
+          </a:ln>
+          <a:effectLst/>
+        </p:spPr>
+      </p:pic>
+      <p:cxnSp>
+        <p:nvCxnSpPr>
+          <p:cNvPr id="9" name="8 Conector recto de flecha"/>
+          <p:cNvCxnSpPr/>
+          <p:nvPr/>
+        </p:nvCxnSpPr>
+        <p:spPr bwMode="auto">
+          <a:xfrm flipV="1">
+            <a:off x="2357422" y="4000504"/>
+            <a:ext cx="2214578" cy="1000132"/>
+          </a:xfrm>
+          <a:prstGeom prst="straightConnector1">
+            <a:avLst/>
+          </a:prstGeom>
+          <a:noFill/>
+          <a:ln w="38100" cap="flat" cmpd="sng" algn="ctr">
+            <a:solidFill>
+              <a:srgbClr val="C00000"/>
+            </a:solidFill>
+            <a:prstDash val="solid"/>
+            <a:round/>
+            <a:headEnd type="none" w="med" len="med"/>
+            <a:tailEnd type="arrow"/>
+          </a:ln>
+          <a:effectLst/>
+        </p:spPr>
+      </p:cxnSp>
+    </p:spTree>
+    <p:extLst>
+      <p:ext uri="{BB962C8B-B14F-4D97-AF65-F5344CB8AC3E}">
+        <p14:creationId xmlns="" xmlns:p14="http://schemas.microsoft.com/office/powerpoint/2010/main" val="742008825"/>
+      </p:ext>
+    </p:extLst>
+  </p:cSld>
+  <p:clrMapOvr>
+    <a:masterClrMapping/>
+  </p:clrMapOvr>
+  <p:timing>
+    <p:tnLst>
+      <p:par>
+        <p:cTn id="1" dur="indefinite" restart="never" nodeType="tmRoot"/>
+      </p:par>
+    </p:tnLst>
+  </p:timing>
+</p:sld>
+</file>
+
+<file path=ppt/slides/slide21.xml><?xml version="1.0" encoding="utf-8"?>
+<p:sld xmlns:a="http://schemas.openxmlformats.org/drawingml/2006/main" xmlns:r="http://schemas.openxmlformats.org/officeDocument/2006/relationships" xmlns:p="http://schemas.openxmlformats.org/presentationml/2006/main">
+  <p:cSld>
+    <p:spTree>
+      <p:nvGrpSpPr>
+        <p:cNvPr id="1" name=""/>
+        <p:cNvGrpSpPr/>
+        <p:nvPr/>
+      </p:nvGrpSpPr>
+      <p:grpSpPr>
+        <a:xfrm>
+          <a:off x="0" y="0"/>
+          <a:ext cx="0" cy="0"/>
+          <a:chOff x="0" y="0"/>
+          <a:chExt cx="0" cy="0"/>
+        </a:xfrm>
+      </p:grpSpPr>
+      <p:sp>
+        <p:nvSpPr>
+          <p:cNvPr id="2" name="1 Título"/>
+          <p:cNvSpPr>
+            <a:spLocks noGrp="1"/>
+          </p:cNvSpPr>
+          <p:nvPr>
+            <p:ph type="title"/>
+          </p:nvPr>
+        </p:nvSpPr>
+        <p:spPr/>
+        <p:txBody>
+          <a:bodyPr/>
+          <a:lstStyle/>
+          <a:p>
+            <a:endParaRPr lang="es-ES"/>
+          </a:p>
+        </p:txBody>
+      </p:sp>
+      <p:sp>
+        <p:nvSpPr>
+          <p:cNvPr id="4" name="3 Marcador de número de diapositiva"/>
+          <p:cNvSpPr>
+            <a:spLocks noGrp="1"/>
+          </p:cNvSpPr>
+          <p:nvPr>
+            <p:ph type="sldNum" sz="quarter" idx="10"/>
+          </p:nvPr>
+        </p:nvSpPr>
+        <p:spPr/>
+        <p:txBody>
+          <a:bodyPr/>
+          <a:lstStyle/>
+          <a:p>
+            <a:pPr>
+              <a:defRPr/>
+            </a:pPr>
+            <a:fld id="{4EDF5D83-0EF5-4BBA-A24C-F31194ACD9C4}" type="slidenum">
+              <a:rPr lang="es-ES" smtClean="0"/>
+              <a:pPr>
+                <a:defRPr/>
+              </a:pPr>
+              <a:t>21</a:t>
+            </a:fld>
+            <a:endParaRPr lang="es-ES"/>
+          </a:p>
+        </p:txBody>
+      </p:sp>
+      <p:sp>
+        <p:nvSpPr>
+          <p:cNvPr id="5" name="4 Marcador de pie de página"/>
+          <p:cNvSpPr>
+            <a:spLocks noGrp="1"/>
+          </p:cNvSpPr>
+          <p:nvPr>
+            <p:ph type="ftr" sz="quarter" idx="11"/>
+          </p:nvPr>
+        </p:nvSpPr>
+        <p:spPr/>
+        <p:txBody>
+          <a:bodyPr/>
+          <a:lstStyle/>
+          <a:p>
+            <a:pPr>
+              <a:defRPr/>
+            </a:pPr>
+            <a:r>
+              <a:rPr lang="es-ES" smtClean="0"/>
+              <a:t>…</a:t>
+            </a:r>
+            <a:endParaRPr lang="es-ES"/>
+          </a:p>
+        </p:txBody>
+      </p:sp>
+      <p:pic>
+        <p:nvPicPr>
+          <p:cNvPr id="50178" name="Picture 2"/>
+          <p:cNvPicPr>
+            <a:picLocks noChangeAspect="1" noChangeArrowheads="1"/>
+          </p:cNvPicPr>
+          <p:nvPr/>
+        </p:nvPicPr>
+        <p:blipFill>
+          <a:blip r:embed="rId2"/>
+          <a:srcRect/>
+          <a:stretch>
+            <a:fillRect/>
+          </a:stretch>
+        </p:blipFill>
+        <p:spPr bwMode="auto">
+          <a:xfrm>
+            <a:off x="357158" y="785794"/>
+            <a:ext cx="8496920" cy="5572164"/>
+          </a:xfrm>
+          <a:prstGeom prst="rect">
+            <a:avLst/>
+          </a:prstGeom>
+          <a:noFill/>
+          <a:ln w="9525">
+            <a:noFill/>
+            <a:miter lim="800000"/>
+            <a:headEnd/>
+            <a:tailEnd/>
+          </a:ln>
+          <a:effectLst/>
+        </p:spPr>
+      </p:pic>
+      <p:pic>
+        <p:nvPicPr>
+          <p:cNvPr id="50179" name="Picture 3"/>
+          <p:cNvPicPr>
+            <a:picLocks noChangeAspect="1" noChangeArrowheads="1"/>
+          </p:cNvPicPr>
+          <p:nvPr/>
+        </p:nvPicPr>
+        <p:blipFill>
+          <a:blip r:embed="rId3"/>
+          <a:srcRect/>
+          <a:stretch>
+            <a:fillRect/>
+          </a:stretch>
+        </p:blipFill>
+        <p:spPr bwMode="auto">
+          <a:xfrm>
+            <a:off x="5072066" y="4143380"/>
+            <a:ext cx="3538015" cy="2457439"/>
+          </a:xfrm>
+          <a:prstGeom prst="rect">
+            <a:avLst/>
+          </a:prstGeom>
+          <a:noFill/>
+          <a:ln w="9525">
+            <a:solidFill>
+              <a:srgbClr val="C00000"/>
+            </a:solidFill>
+            <a:miter lim="800000"/>
+            <a:headEnd/>
+            <a:tailEnd/>
+          </a:ln>
+          <a:effectLst/>
+        </p:spPr>
+      </p:pic>
+    </p:spTree>
+    <p:extLst>
+      <p:ext uri="{BB962C8B-B14F-4D97-AF65-F5344CB8AC3E}">
+        <p14:creationId xmlns="" xmlns:p14="http://schemas.microsoft.com/office/powerpoint/2010/main" val="949828289"/>
+      </p:ext>
+    </p:extLst>
+  </p:cSld>
+  <p:clrMapOvr>
+    <a:masterClrMapping/>
+  </p:clrMapOvr>
+</p:sld>
+</file>
+
+<file path=ppt/slides/slide22.xml><?xml version="1.0" encoding="utf-8"?>
+<p:sld xmlns:a="http://schemas.openxmlformats.org/drawingml/2006/main" xmlns:r="http://schemas.openxmlformats.org/officeDocument/2006/relationships" xmlns:p="http://schemas.openxmlformats.org/presentationml/2006/main">
+  <p:cSld>
+    <p:spTree>
+      <p:nvGrpSpPr>
+        <p:cNvPr id="1" name=""/>
+        <p:cNvGrpSpPr/>
+        <p:nvPr/>
+      </p:nvGrpSpPr>
+      <p:grpSpPr>
+        <a:xfrm>
+          <a:off x="0" y="0"/>
+          <a:ext cx="0" cy="0"/>
+          <a:chOff x="0" y="0"/>
+          <a:chExt cx="0" cy="0"/>
+        </a:xfrm>
+      </p:grpSpPr>
+      <p:sp>
+        <p:nvSpPr>
+          <p:cNvPr id="2" name="1 Título"/>
+          <p:cNvSpPr>
+            <a:spLocks noGrp="1"/>
+          </p:cNvSpPr>
+          <p:nvPr>
+            <p:ph type="title"/>
+          </p:nvPr>
+        </p:nvSpPr>
+        <p:spPr/>
+        <p:txBody>
+          <a:bodyPr/>
+          <a:lstStyle/>
+          <a:p>
+            <a:endParaRPr lang="es-ES"/>
+          </a:p>
+        </p:txBody>
+      </p:sp>
+      <p:sp>
+        <p:nvSpPr>
+          <p:cNvPr id="4" name="3 Marcador de número de diapositiva"/>
+          <p:cNvSpPr>
+            <a:spLocks noGrp="1"/>
+          </p:cNvSpPr>
+          <p:nvPr>
+            <p:ph type="sldNum" sz="quarter" idx="10"/>
+          </p:nvPr>
+        </p:nvSpPr>
+        <p:spPr/>
+        <p:txBody>
+          <a:bodyPr/>
+          <a:lstStyle/>
+          <a:p>
+            <a:pPr>
+              <a:defRPr/>
+            </a:pPr>
+            <a:r>
+              <a:rPr lang="es-ES" smtClean="0"/>
+              <a:t>Diapositiva </a:t>
+            </a:r>
+            <a:fld id="{4EDF5D83-0EF5-4BBA-A24C-F31194ACD9C4}" type="slidenum">
+              <a:rPr lang="es-ES" smtClean="0"/>
+              <a:pPr>
+                <a:defRPr/>
+              </a:pPr>
+              <a:t>22</a:t>
+            </a:fld>
+            <a:endParaRPr lang="es-ES"/>
+          </a:p>
+        </p:txBody>
+      </p:sp>
+      <p:sp>
+        <p:nvSpPr>
+          <p:cNvPr id="5" name="4 Marcador de pie de página"/>
+          <p:cNvSpPr>
+            <a:spLocks noGrp="1"/>
+          </p:cNvSpPr>
+          <p:nvPr>
+            <p:ph type="ftr" sz="quarter" idx="11"/>
+          </p:nvPr>
+        </p:nvSpPr>
+        <p:spPr/>
+        <p:txBody>
+          <a:bodyPr/>
+          <a:lstStyle/>
+          <a:p>
+            <a:pPr>
+              <a:defRPr/>
+            </a:pPr>
+            <a:r>
+              <a:rPr lang="es-ES" smtClean="0"/>
+              <a:t>…</a:t>
+            </a:r>
+            <a:endParaRPr lang="es-ES"/>
+          </a:p>
+        </p:txBody>
+      </p:sp>
+      <p:pic>
+        <p:nvPicPr>
+          <p:cNvPr id="51202" name="Picture 2"/>
+          <p:cNvPicPr>
+            <a:picLocks noChangeAspect="1" noChangeArrowheads="1"/>
+          </p:cNvPicPr>
+          <p:nvPr/>
+        </p:nvPicPr>
+        <p:blipFill>
+          <a:blip r:embed="rId2"/>
+          <a:srcRect/>
+          <a:stretch>
+            <a:fillRect/>
+          </a:stretch>
+        </p:blipFill>
+        <p:spPr bwMode="auto">
+          <a:xfrm>
+            <a:off x="214282" y="857232"/>
+            <a:ext cx="8670958" cy="5286412"/>
+          </a:xfrm>
+          <a:prstGeom prst="rect">
+            <a:avLst/>
+          </a:prstGeom>
+          <a:noFill/>
+          <a:ln w="9525">
+            <a:noFill/>
+            <a:miter lim="800000"/>
+            <a:headEnd/>
+            <a:tailEnd/>
+          </a:ln>
+          <a:effectLst/>
+        </p:spPr>
+      </p:pic>
+    </p:spTree>
+    <p:extLst>
+      <p:ext uri="{BB962C8B-B14F-4D97-AF65-F5344CB8AC3E}">
+        <p14:creationId xmlns="" xmlns:p14="http://schemas.microsoft.com/office/powerpoint/2010/main" val="1508052249"/>
+      </p:ext>
+    </p:extLst>
+  </p:cSld>
+  <p:clrMapOvr>
+    <a:masterClrMapping/>
+  </p:clrMapOvr>
+</p:sld>
+</file>
+
+<file path=ppt/slides/slide23.xml><?xml version="1.0" encoding="utf-8"?>
+<p:sld xmlns:a="http://schemas.openxmlformats.org/drawingml/2006/main" xmlns:r="http://schemas.openxmlformats.org/officeDocument/2006/relationships" xmlns:p="http://schemas.openxmlformats.org/presentationml/2006/main">
+  <p:cSld>
+    <p:spTree>
+      <p:nvGrpSpPr>
+        <p:cNvPr id="1" name=""/>
+        <p:cNvGrpSpPr/>
+        <p:nvPr/>
+      </p:nvGrpSpPr>
+      <p:grpSpPr>
+        <a:xfrm>
+          <a:off x="0" y="0"/>
+          <a:ext cx="0" cy="0"/>
+          <a:chOff x="0" y="0"/>
+          <a:chExt cx="0" cy="0"/>
+        </a:xfrm>
+      </p:grpSpPr>
+      <p:sp>
+        <p:nvSpPr>
+          <p:cNvPr id="2" name="1 Título"/>
+          <p:cNvSpPr>
+            <a:spLocks noGrp="1"/>
+          </p:cNvSpPr>
+          <p:nvPr>
+            <p:ph type="title"/>
+          </p:nvPr>
+        </p:nvSpPr>
+        <p:spPr/>
+        <p:txBody>
+          <a:bodyPr/>
+          <a:lstStyle/>
+          <a:p>
+            <a:endParaRPr lang="es-ES"/>
+          </a:p>
+        </p:txBody>
+      </p:sp>
+      <p:sp>
+        <p:nvSpPr>
+          <p:cNvPr id="4" name="3 Marcador de número de diapositiva"/>
+          <p:cNvSpPr>
+            <a:spLocks noGrp="1"/>
+          </p:cNvSpPr>
+          <p:nvPr>
+            <p:ph type="sldNum" sz="quarter" idx="10"/>
+          </p:nvPr>
+        </p:nvSpPr>
+        <p:spPr/>
+        <p:txBody>
+          <a:bodyPr/>
+          <a:lstStyle/>
+          <a:p>
+            <a:pPr>
+              <a:defRPr/>
+            </a:pPr>
+            <a:r>
+              <a:rPr lang="es-ES" smtClean="0"/>
+              <a:t>Diapositiva </a:t>
+            </a:r>
+            <a:fld id="{4EDF5D83-0EF5-4BBA-A24C-F31194ACD9C4}" type="slidenum">
+              <a:rPr lang="es-ES" smtClean="0"/>
+              <a:pPr>
+                <a:defRPr/>
+              </a:pPr>
+              <a:t>23</a:t>
+            </a:fld>
+            <a:endParaRPr lang="es-ES"/>
+          </a:p>
+        </p:txBody>
+      </p:sp>
+      <p:sp>
+        <p:nvSpPr>
+          <p:cNvPr id="5" name="4 Marcador de pie de página"/>
+          <p:cNvSpPr>
+            <a:spLocks noGrp="1"/>
+          </p:cNvSpPr>
+          <p:nvPr>
+            <p:ph type="ftr" sz="quarter" idx="11"/>
+          </p:nvPr>
+        </p:nvSpPr>
+        <p:spPr/>
+        <p:txBody>
+          <a:bodyPr/>
+          <a:lstStyle/>
+          <a:p>
+            <a:pPr>
+              <a:defRPr/>
+            </a:pPr>
+            <a:r>
+              <a:rPr lang="es-ES" smtClean="0"/>
+              <a:t>…</a:t>
+            </a:r>
+            <a:endParaRPr lang="es-ES"/>
+          </a:p>
+        </p:txBody>
+      </p:sp>
+      <p:pic>
+        <p:nvPicPr>
+          <p:cNvPr id="52226" name="Picture 2"/>
+          <p:cNvPicPr>
+            <a:picLocks noChangeAspect="1" noChangeArrowheads="1"/>
+          </p:cNvPicPr>
+          <p:nvPr/>
+        </p:nvPicPr>
+        <p:blipFill>
+          <a:blip r:embed="rId2"/>
+          <a:srcRect/>
+          <a:stretch>
+            <a:fillRect/>
+          </a:stretch>
+        </p:blipFill>
+        <p:spPr bwMode="auto">
+          <a:xfrm>
+            <a:off x="236041" y="785794"/>
+            <a:ext cx="8907959" cy="5643602"/>
+          </a:xfrm>
+          <a:prstGeom prst="rect">
+            <a:avLst/>
+          </a:prstGeom>
+          <a:noFill/>
+          <a:ln w="9525">
+            <a:solidFill>
+              <a:srgbClr val="C00000"/>
+            </a:solidFill>
+            <a:miter lim="800000"/>
+            <a:headEnd/>
+            <a:tailEnd/>
+          </a:ln>
+          <a:effectLst/>
+        </p:spPr>
+      </p:pic>
+    </p:spTree>
+    <p:extLst>
+      <p:ext uri="{BB962C8B-B14F-4D97-AF65-F5344CB8AC3E}">
+        <p14:creationId xmlns="" xmlns:p14="http://schemas.microsoft.com/office/powerpoint/2010/main" val="4172453734"/>
+      </p:ext>
+    </p:extLst>
+  </p:cSld>
+  <p:clrMapOvr>
+    <a:masterClrMapping/>
+  </p:clrMapOvr>
 </p:sld>
 </file>
 
@@ -3322,7 +5212,16 @@
             </a:pPr>
             <a:r>
               <a:rPr lang="es-ES" sz="7200" smtClean="0"/>
-              <a:t>INSTALACIÓN Y EJECUCIÓN</a:t>
+              <a:t>CONCEPTOS </a:t>
+            </a:r>
+          </a:p>
+          <a:p>
+            <a:pPr algn="ctr">
+              <a:buNone/>
+            </a:pPr>
+            <a:r>
+              <a:rPr lang="es-ES" sz="7200" smtClean="0"/>
+              <a:t>BÁSICOS</a:t>
             </a:r>
             <a:endParaRPr lang="es-ES" sz="7200"/>
           </a:p>
@@ -3372,14 +5271,12 @@
         </p:nvSpPr>
         <p:spPr/>
         <p:txBody>
-          <a:bodyPr>
-            <a:normAutofit fontScale="90000"/>
-          </a:bodyPr>
-          <a:lstStyle/>
-          <a:p>
-            <a:r>
-              <a:rPr lang="es-ES" smtClean="0"/>
-              <a:t>Instalación del servidor Conditional Linked Data: Prerrequisitos</a:t>
+          <a:bodyPr/>
+          <a:lstStyle/>
+          <a:p>
+            <a:r>
+              <a:rPr lang="es-ES" smtClean="0"/>
+              <a:t>Datos y metadatos</a:t>
             </a:r>
             <a:endParaRPr lang="es-ES"/>
           </a:p>
@@ -3398,7 +5295,7 @@
         <p:spPr>
           <a:xfrm>
             <a:off x="457200" y="1600200"/>
-            <a:ext cx="8229600" cy="5257800"/>
+            <a:ext cx="8229600" cy="5043510"/>
           </a:xfrm>
         </p:spPr>
         <p:txBody>
@@ -3409,173 +5306,81 @@
           <a:p>
             <a:r>
               <a:rPr lang="es-ES" smtClean="0"/>
-              <a:t>Prerrequisitos (Win):</a:t>
+              <a:t>El Servidor puede servir diferentes datasets</a:t>
+            </a:r>
+          </a:p>
+          <a:p>
+            <a:r>
+              <a:rPr lang="es-ES" smtClean="0"/>
+              <a:t>Por defecto aparecen cargados tres datasets:</a:t>
             </a:r>
           </a:p>
           <a:p>
             <a:pPr lvl="1"/>
             <a:r>
-              <a:rPr lang="es-ES" b="1" smtClean="0"/>
-              <a:t>Java</a:t>
-            </a:r>
-            <a:r>
-              <a:rPr lang="es-ES" smtClean="0"/>
-              <a:t>. </a:t>
-            </a:r>
-            <a:r>
-              <a:rPr lang="es-ES" sz="1800" smtClean="0"/>
-              <a:t>Instalar una máquina virtual Java . Por ejemplo, </a:t>
-            </a:r>
-            <a:r>
-              <a:rPr lang="es-ES" sz="1800" smtClean="0"/>
-              <a:t>Java Platform (JDK</a:t>
-            </a:r>
-            <a:r>
-              <a:rPr lang="es-ES" sz="1800" smtClean="0"/>
-              <a:t>) </a:t>
-            </a:r>
-            <a:r>
-              <a:rPr lang="es-ES" sz="1800" smtClean="0"/>
-              <a:t>8u45. Basta con seguir el tutorial y añadir la variable de entorno JAVA_HOME para que apunte al directorio de instalación, y modificar la variable PATH para que incluya el directorio donde están los binarios.</a:t>
-            </a:r>
-            <a:r>
-              <a:rPr lang="es-ES" sz="1800" smtClean="0"/>
-              <a:t> Si no se hace este paso no se podrá compilar.</a:t>
-            </a:r>
-            <a:endParaRPr lang="es-ES" sz="1800" smtClean="0"/>
-          </a:p>
-          <a:p>
-            <a:pPr lvl="1">
-              <a:buNone/>
-            </a:pPr>
-            <a:r>
-              <a:rPr lang="es-ES" sz="1800" smtClean="0"/>
-              <a:t>	</a:t>
-            </a:r>
-            <a:r>
-              <a:rPr lang="es-ES" sz="1800" i="1" smtClean="0"/>
-              <a:t>Hint</a:t>
-            </a:r>
-            <a:r>
-              <a:rPr lang="es-ES" sz="1800" smtClean="0"/>
-              <a:t>: Las variables de entorno se añaden  desde el menú que aparece WIN+Break y luego  “advanced system settings”-&gt;environment variables. Seguramente tengas ya un java instalado. Ejecutando “java –version” verás la versión. O ejecutando “where java” verás la ruta en la cual está instalado. </a:t>
-            </a:r>
-          </a:p>
-          <a:p>
-            <a:pPr lvl="1">
-              <a:buNone/>
-            </a:pPr>
-            <a:endParaRPr lang="es-ES" smtClean="0"/>
+              <a:rPr lang="es-ES" sz="2400" smtClean="0">
+                <a:latin typeface="Courier New" pitchFamily="49" charset="0"/>
+                <a:cs typeface="Courier New" pitchFamily="49" charset="0"/>
+              </a:rPr>
+              <a:t>geo, wordnet, iate</a:t>
+            </a:r>
+          </a:p>
+          <a:p>
+            <a:r>
+              <a:rPr lang="es-ES" smtClean="0"/>
+              <a:t>Cada dataset está en una carpeta:</a:t>
+            </a:r>
           </a:p>
           <a:p>
             <a:pPr lvl="1"/>
             <a:r>
-              <a:rPr lang="es-ES" b="1" smtClean="0"/>
-              <a:t>Ant</a:t>
-            </a:r>
-            <a:r>
-              <a:rPr lang="es-ES" smtClean="0"/>
-              <a:t>. </a:t>
-            </a:r>
-            <a:r>
-              <a:rPr lang="es-ES" sz="1800" smtClean="0"/>
-              <a:t>Solo necesaria para compilar. Se presenta en dos distribuciones (src y bin). Se puede descargar la binaria, descomprimirla en el directorio que sea y añadir dicho directorio (subdirectorio bin) a la variable de entorno PATH.</a:t>
-            </a:r>
-          </a:p>
-          <a:p>
-            <a:pPr lvl="1">
-              <a:buNone/>
-            </a:pPr>
-            <a:r>
-              <a:rPr lang="es-ES" sz="1800" smtClean="0"/>
-              <a:t>	</a:t>
-            </a:r>
-            <a:endParaRPr lang="es-ES" sz="1800" smtClean="0"/>
-          </a:p>
-          <a:p>
-            <a:pPr lvl="1">
-              <a:buNone/>
-            </a:pPr>
-            <a:endParaRPr lang="es-ES" smtClean="0"/>
+              <a:rPr lang="es-ES" sz="2200" smtClean="0">
+                <a:latin typeface="Courier New" pitchFamily="49" charset="0"/>
+                <a:cs typeface="Courier New" pitchFamily="49" charset="0"/>
+              </a:rPr>
+              <a:t>datasets/geo, datasets/wordnet, datasets/iate</a:t>
+            </a:r>
+          </a:p>
+          <a:p>
+            <a:r>
+              <a:rPr lang="es-ES" smtClean="0"/>
+              <a:t>Cada dataset consta de:</a:t>
+            </a:r>
           </a:p>
           <a:p>
             <a:pPr lvl="1"/>
-            <a:endParaRPr lang="es-ES"/>
-          </a:p>
-        </p:txBody>
-      </p:sp>
-      <p:sp>
-        <p:nvSpPr>
-          <p:cNvPr id="4" name="3 CuadroTexto"/>
-          <p:cNvSpPr txBox="1"/>
-          <p:nvPr/>
-        </p:nvSpPr>
-        <p:spPr>
-          <a:xfrm>
-            <a:off x="5863230" y="1857364"/>
-            <a:ext cx="3280770" cy="369332"/>
-          </a:xfrm>
-          <a:prstGeom prst="rect">
-            <a:avLst/>
-          </a:prstGeom>
-          <a:noFill/>
-        </p:spPr>
-        <p:txBody>
-          <a:bodyPr wrap="none" rtlCol="0">
-            <a:spAutoFit/>
-          </a:bodyPr>
-          <a:lstStyle/>
-          <a:p>
-            <a:r>
-              <a:rPr lang="es-ES" smtClean="0">
-                <a:solidFill>
-                  <a:srgbClr val="FF0000"/>
-                </a:solidFill>
+            <a:r>
+              <a:rPr lang="es-ES" smtClean="0"/>
+              <a:t>Datos: un archivo que ha de ser </a:t>
+            </a:r>
+            <a:r>
+              <a:rPr lang="es-ES" sz="2200" smtClean="0">
+                <a:latin typeface="Courier New" pitchFamily="49" charset="0"/>
+                <a:cs typeface="Courier New" pitchFamily="49" charset="0"/>
               </a:rPr>
-              <a:t>Solo si no hay Java bien instalado</a:t>
-            </a:r>
-            <a:endParaRPr lang="es-ES">
-              <a:solidFill>
-                <a:srgbClr val="FF0000"/>
-              </a:solidFill>
+              <a:t>datos.nq</a:t>
+            </a:r>
+            <a:endParaRPr lang="es-ES" smtClean="0">
+              <a:latin typeface="Courier New" pitchFamily="49" charset="0"/>
+              <a:cs typeface="Courier New" pitchFamily="49" charset="0"/>
             </a:endParaRPr>
           </a:p>
-        </p:txBody>
-      </p:sp>
-      <p:sp>
-        <p:nvSpPr>
-          <p:cNvPr id="5" name="4 CuadroTexto"/>
-          <p:cNvSpPr txBox="1"/>
-          <p:nvPr/>
-        </p:nvSpPr>
-        <p:spPr>
-          <a:xfrm>
-            <a:off x="6572590" y="5214950"/>
-            <a:ext cx="2571410" cy="369332"/>
-          </a:xfrm>
-          <a:prstGeom prst="rect">
-            <a:avLst/>
-          </a:prstGeom>
-          <a:noFill/>
-        </p:spPr>
-        <p:txBody>
-          <a:bodyPr wrap="none" rtlCol="0">
-            <a:spAutoFit/>
-          </a:bodyPr>
-          <a:lstStyle/>
-          <a:p>
-            <a:r>
-              <a:rPr lang="es-ES" smtClean="0">
-                <a:solidFill>
-                  <a:srgbClr val="FF0000"/>
-                </a:solidFill>
+          <a:p>
+            <a:pPr lvl="1"/>
+            <a:r>
+              <a:rPr lang="es-ES" smtClean="0"/>
+              <a:t>Metadatos: un archivo que ha de llamarse </a:t>
+            </a:r>
+            <a:r>
+              <a:rPr lang="es-ES" sz="2200" smtClean="0">
+                <a:latin typeface="Courier New" pitchFamily="49" charset="0"/>
+                <a:cs typeface="Courier New" pitchFamily="49" charset="0"/>
               </a:rPr>
-              <a:t>Solo si se quiere compilar</a:t>
-            </a:r>
-            <a:endParaRPr lang="es-ES">
-              <a:solidFill>
-                <a:srgbClr val="FF0000"/>
-              </a:solidFill>
+              <a:t>void.ttl</a:t>
+            </a:r>
+            <a:endParaRPr lang="es-ES" sz="2200">
+              <a:latin typeface="Courier New" pitchFamily="49" charset="0"/>
+              <a:cs typeface="Courier New" pitchFamily="49" charset="0"/>
             </a:endParaRPr>
           </a:p>
         </p:txBody>
@@ -3624,22 +5429,12 @@
         </p:nvSpPr>
         <p:spPr/>
         <p:txBody>
-          <a:bodyPr>
-            <a:normAutofit fontScale="90000"/>
-          </a:bodyPr>
-          <a:lstStyle/>
-          <a:p>
-            <a:r>
-              <a:rPr lang="es-ES" smtClean="0"/>
-              <a:t>Instalación del servidor Conditional Linked Data</a:t>
-            </a:r>
-            <a:r>
-              <a:rPr lang="es-ES" smtClean="0"/>
-              <a:t>: </a:t>
-            </a:r>
-            <a:r>
-              <a:rPr lang="es-ES" smtClean="0"/>
-              <a:t>Compilación</a:t>
+          <a:bodyPr/>
+          <a:lstStyle/>
+          <a:p>
+            <a:r>
+              <a:rPr lang="es-ES" smtClean="0"/>
+              <a:t>Datos</a:t>
             </a:r>
             <a:endParaRPr lang="es-ES"/>
           </a:p>
@@ -3662,88 +5457,23 @@
           <a:p>
             <a:r>
               <a:rPr lang="es-ES" smtClean="0"/>
-              <a:t>Descargar el proyecto de </a:t>
-            </a:r>
-            <a:r>
-              <a:rPr lang="es-ES" smtClean="0">
-                <a:hlinkClick r:id="rId2"/>
-              </a:rPr>
-              <a:t>https</a:t>
-            </a:r>
-            <a:r>
-              <a:rPr lang="es-ES" smtClean="0">
-                <a:hlinkClick r:id="rId2"/>
-              </a:rPr>
-              <a:t>://</a:t>
-            </a:r>
-            <a:r>
-              <a:rPr lang="es-ES" smtClean="0">
-                <a:hlinkClick r:id="rId2"/>
-              </a:rPr>
-              <a:t>github.com/oeg-upm/ldconditional</a:t>
-            </a:r>
+              <a:t>Los datos en data.nq son los datos a servir. </a:t>
+            </a:r>
+          </a:p>
+          <a:p>
+            <a:r>
+              <a:rPr lang="es-ES" smtClean="0"/>
+              <a:t>Hay tantos named graphs como particiones lógicas.</a:t>
+            </a:r>
+          </a:p>
+          <a:p>
             <a:endParaRPr lang="es-ES" smtClean="0"/>
           </a:p>
           <a:p>
-            <a:endParaRPr lang="es-ES" smtClean="0"/>
-          </a:p>
-          <a:p>
-            <a:r>
-              <a:rPr lang="es-ES" smtClean="0"/>
-              <a:t>Abrir consola en el directorio donde se ha descargado y compilar escribiendo:</a:t>
-            </a:r>
-          </a:p>
-          <a:p>
-            <a:pPr>
-              <a:buNone/>
-            </a:pPr>
-            <a:r>
-              <a:rPr lang="es-ES" smtClean="0"/>
-              <a:t>	</a:t>
-            </a:r>
-            <a:r>
-              <a:rPr lang="es-ES" smtClean="0"/>
-              <a:t>ant jar</a:t>
-            </a:r>
-            <a:endParaRPr lang="es-ES"/>
-          </a:p>
-        </p:txBody>
-      </p:sp>
-      <p:sp>
-        <p:nvSpPr>
-          <p:cNvPr id="4" name="3 CuadroTexto"/>
-          <p:cNvSpPr txBox="1"/>
-          <p:nvPr/>
-        </p:nvSpPr>
-        <p:spPr>
-          <a:xfrm>
-            <a:off x="8127375" y="0"/>
-            <a:ext cx="1016625" cy="369332"/>
-          </a:xfrm>
-          <a:prstGeom prst="rect">
-            <a:avLst/>
-          </a:prstGeom>
-          <a:noFill/>
-        </p:spPr>
-        <p:txBody>
-          <a:bodyPr wrap="none" rtlCol="0">
-            <a:spAutoFit/>
-          </a:bodyPr>
-          <a:lstStyle/>
-          <a:p>
-            <a:r>
-              <a:rPr lang="es-ES" smtClean="0">
-                <a:solidFill>
-                  <a:srgbClr val="FF0000"/>
-                </a:solidFill>
-              </a:rPr>
-              <a:t>Opcional</a:t>
-            </a:r>
-            <a:endParaRPr lang="es-ES">
-              <a:solidFill>
-                <a:srgbClr val="FF0000"/>
-              </a:solidFill>
-            </a:endParaRPr>
+            <a:r>
+              <a:rPr lang="es-ES" smtClean="0"/>
+              <a:t>Las políticas se asignan a los named graphs</a:t>
+            </a:r>
           </a:p>
         </p:txBody>
       </p:sp>
@@ -3796,7 +5526,7 @@
           <a:p>
             <a:r>
               <a:rPr lang="es-ES" smtClean="0"/>
-              <a:t>Ejecución </a:t>
+              <a:t>Metadatos</a:t>
             </a:r>
             <a:endParaRPr lang="es-ES"/>
           </a:p>
@@ -3817,45 +5547,34 @@
           <a:bodyPr/>
           <a:lstStyle/>
           <a:p>
-            <a:endParaRPr lang="es-ES"/>
-          </a:p>
-        </p:txBody>
-      </p:sp>
-      <p:sp>
-        <p:nvSpPr>
-          <p:cNvPr id="4" name="3 CuadroTexto"/>
-          <p:cNvSpPr txBox="1"/>
-          <p:nvPr/>
-        </p:nvSpPr>
-        <p:spPr>
-          <a:xfrm>
-            <a:off x="7205071" y="0"/>
-            <a:ext cx="1938929" cy="369332"/>
-          </a:xfrm>
-          <a:prstGeom prst="rect">
-            <a:avLst/>
-          </a:prstGeom>
-          <a:noFill/>
-        </p:spPr>
-        <p:txBody>
-          <a:bodyPr wrap="none" rtlCol="0">
-            <a:spAutoFit/>
-          </a:bodyPr>
-          <a:lstStyle/>
-          <a:p>
-            <a:r>
-              <a:rPr lang="es-ES" smtClean="0">
-                <a:solidFill>
-                  <a:srgbClr val="FF0000"/>
-                </a:solidFill>
-              </a:rPr>
-              <a:t>Menos importante</a:t>
-            </a:r>
-            <a:endParaRPr lang="es-ES">
-              <a:solidFill>
-                <a:srgbClr val="FF0000"/>
-              </a:solidFill>
-            </a:endParaRPr>
+            <a:r>
+              <a:rPr lang="es-ES" smtClean="0"/>
+              <a:t>Los metadatos se utilizan para mostrar la web. En concreto son importantes: rdfs:comment, rdfs:label, foaf:logo, void:triples</a:t>
+            </a:r>
+          </a:p>
+          <a:p>
+            <a:r>
+              <a:rPr lang="es-ES" smtClean="0"/>
+              <a:t>El más importante es:</a:t>
+            </a:r>
+          </a:p>
+          <a:p>
+            <a:pPr lvl="1"/>
+            <a:r>
+              <a:rPr lang="es-ES" smtClean="0"/>
+              <a:t>dct:license </a:t>
+            </a:r>
+            <a:r>
+              <a:rPr lang="es-ES" smtClean="0"/>
+              <a:t>seguido de una política en ODRL</a:t>
+            </a:r>
+          </a:p>
+          <a:p>
+            <a:r>
+              <a:rPr lang="es-ES" smtClean="0"/>
+              <a:t>De la política se mira si se permite reproducir (play, reproduce, display, etc.) y si es gratis o de pago. No se miran más condiciones. </a:t>
+            </a:r>
+            <a:endParaRPr lang="es-ES"/>
           </a:p>
         </p:txBody>
       </p:sp>
@@ -3893,6 +5612,66 @@
       </p:grpSpPr>
       <p:sp>
         <p:nvSpPr>
+          <p:cNvPr id="3" name="2 Marcador de contenido"/>
+          <p:cNvSpPr>
+            <a:spLocks noGrp="1"/>
+          </p:cNvSpPr>
+          <p:nvPr>
+            <p:ph idx="1"/>
+          </p:nvPr>
+        </p:nvSpPr>
+        <p:spPr/>
+        <p:txBody>
+          <a:bodyPr>
+            <a:normAutofit/>
+          </a:bodyPr>
+          <a:lstStyle/>
+          <a:p>
+            <a:pPr algn="ctr">
+              <a:buNone/>
+            </a:pPr>
+            <a:r>
+              <a:rPr lang="es-ES" sz="7200" smtClean="0"/>
+              <a:t>INSTALACIÓN Y EJECUCIÓN</a:t>
+            </a:r>
+            <a:endParaRPr lang="es-ES" sz="7200"/>
+          </a:p>
+        </p:txBody>
+      </p:sp>
+    </p:spTree>
+  </p:cSld>
+  <p:clrMapOvr>
+    <a:masterClrMapping/>
+  </p:clrMapOvr>
+  <p:timing>
+    <p:tnLst>
+      <p:par>
+        <p:cTn id="1" dur="indefinite" restart="never" nodeType="tmRoot"/>
+      </p:par>
+    </p:tnLst>
+  </p:timing>
+</p:sld>
+</file>
+
+<file path=ppt/slides/slide8.xml><?xml version="1.0" encoding="utf-8"?>
+<p:sld xmlns:a="http://schemas.openxmlformats.org/drawingml/2006/main" xmlns:r="http://schemas.openxmlformats.org/officeDocument/2006/relationships" xmlns:p="http://schemas.openxmlformats.org/presentationml/2006/main">
+  <p:cSld>
+    <p:spTree>
+      <p:nvGrpSpPr>
+        <p:cNvPr id="1" name=""/>
+        <p:cNvGrpSpPr/>
+        <p:nvPr/>
+      </p:nvGrpSpPr>
+      <p:grpSpPr>
+        <a:xfrm>
+          <a:off x="0" y="0"/>
+          <a:ext cx="0" cy="0"/>
+          <a:chOff x="0" y="0"/>
+          <a:chExt cx="0" cy="0"/>
+        </a:xfrm>
+      </p:grpSpPr>
+      <p:sp>
+        <p:nvSpPr>
           <p:cNvPr id="2" name="1 Título"/>
           <p:cNvSpPr>
             <a:spLocks noGrp="1"/>
@@ -3903,12 +5682,14 @@
         </p:nvSpPr>
         <p:spPr/>
         <p:txBody>
-          <a:bodyPr/>
-          <a:lstStyle/>
-          <a:p>
-            <a:r>
-              <a:rPr lang="es-ES" smtClean="0"/>
-              <a:t>Esto es un servidor de Linked Data</a:t>
+          <a:bodyPr>
+            <a:normAutofit fontScale="90000"/>
+          </a:bodyPr>
+          <a:lstStyle/>
+          <a:p>
+            <a:r>
+              <a:rPr lang="es-ES" smtClean="0"/>
+              <a:t>Instalación del servidor Conditional Linked Data: Prerrequisitos</a:t>
             </a:r>
             <a:endParaRPr lang="es-ES"/>
           </a:p>
@@ -3924,15 +5705,93 @@
             <p:ph idx="1"/>
           </p:nvPr>
         </p:nvSpPr>
-        <p:spPr/>
-        <p:txBody>
-          <a:bodyPr/>
-          <a:lstStyle/>
-          <a:p>
-            <a:r>
-              <a:rPr lang="es-ES" smtClean="0"/>
-              <a:t>Un servidor de datos enlazados es un servidor  que sirve.</a:t>
-            </a:r>
+        <p:spPr>
+          <a:xfrm>
+            <a:off x="457200" y="1600200"/>
+            <a:ext cx="8229600" cy="5257800"/>
+          </a:xfrm>
+        </p:spPr>
+        <p:txBody>
+          <a:bodyPr>
+            <a:normAutofit/>
+          </a:bodyPr>
+          <a:lstStyle/>
+          <a:p>
+            <a:r>
+              <a:rPr lang="es-ES" smtClean="0"/>
+              <a:t>Prerrequisitos (Win):</a:t>
+            </a:r>
+          </a:p>
+          <a:p>
+            <a:pPr lvl="1"/>
+            <a:r>
+              <a:rPr lang="es-ES" b="1" smtClean="0"/>
+              <a:t>Java</a:t>
+            </a:r>
+            <a:r>
+              <a:rPr lang="es-ES" smtClean="0"/>
+              <a:t>. </a:t>
+            </a:r>
+            <a:r>
+              <a:rPr lang="es-ES" sz="1800" smtClean="0"/>
+              <a:t>Instalar una máquina virtual Java . Por ejemplo, Java Platform (JDK) 8u45. Basta con seguir el tutorial y añadir la variable de entorno JAVA_HOME para que apunte al directorio de instalación, y modificar la variable PATH para que incluya el directorio donde están los binarios. Si no se hace este paso no se podrá compilar.</a:t>
+            </a:r>
+          </a:p>
+          <a:p>
+            <a:pPr lvl="1">
+              <a:buNone/>
+            </a:pPr>
+            <a:r>
+              <a:rPr lang="es-ES" sz="1800" smtClean="0"/>
+              <a:t>	</a:t>
+            </a:r>
+            <a:r>
+              <a:rPr lang="es-ES" sz="1800" i="1" smtClean="0"/>
+              <a:t>Hint</a:t>
+            </a:r>
+            <a:r>
+              <a:rPr lang="es-ES" sz="1800" smtClean="0"/>
+              <a:t>: Las variables de entorno se añaden  desde el menú que aparece WIN+Break y luego  “advanced system settings”-&gt;environment variables. Seguramente tengas ya un java instalado. Ejecutando “java –version” verás la versión. O ejecutando “where java” verás la ruta en la cual está instalado. </a:t>
+            </a:r>
+          </a:p>
+          <a:p>
+            <a:pPr lvl="1">
+              <a:buNone/>
+            </a:pPr>
+            <a:endParaRPr lang="es-ES" smtClean="0"/>
+          </a:p>
+          <a:p>
+            <a:pPr lvl="1"/>
+            <a:r>
+              <a:rPr lang="es-ES" b="1" smtClean="0"/>
+              <a:t>Ant</a:t>
+            </a:r>
+            <a:r>
+              <a:rPr lang="es-ES" smtClean="0"/>
+              <a:t>. </a:t>
+            </a:r>
+            <a:r>
+              <a:rPr lang="es-ES" sz="1800" smtClean="0"/>
+              <a:t>Solo necesaria para compilar. Se presenta en dos distribuciones (src y bin). Se puede descargar la binaria, descomprimirla en el directorio que sea y añadir dicho directorio (subdirectorio bin) a la variable de entorno PATH.</a:t>
+            </a:r>
+          </a:p>
+          <a:p>
+            <a:pPr lvl="1">
+              <a:buNone/>
+            </a:pPr>
+            <a:r>
+              <a:rPr lang="es-ES" sz="1800" smtClean="0"/>
+              <a:t>	</a:t>
+            </a:r>
+          </a:p>
+          <a:p>
+            <a:pPr lvl="1">
+              <a:buNone/>
+            </a:pPr>
+            <a:endParaRPr lang="es-ES" smtClean="0"/>
+          </a:p>
+          <a:p>
+            <a:pPr lvl="1"/>
             <a:endParaRPr lang="es-ES"/>
           </a:p>
         </p:txBody>
@@ -3945,8 +5804,8 @@
         </p:nvSpPr>
         <p:spPr>
           <a:xfrm>
-            <a:off x="7205071" y="0"/>
-            <a:ext cx="1938929" cy="369332"/>
+            <a:off x="5863230" y="1857364"/>
+            <a:ext cx="3280770" cy="369332"/>
           </a:xfrm>
           <a:prstGeom prst="rect">
             <a:avLst/>
@@ -3965,7 +5824,235 @@
                   <a:srgbClr val="FF0000"/>
                 </a:solidFill>
               </a:rPr>
-              <a:t>Menos importante</a:t>
+              <a:t>Solo si no hay Java bien instalado</a:t>
+            </a:r>
+            <a:endParaRPr lang="es-ES">
+              <a:solidFill>
+                <a:srgbClr val="FF0000"/>
+              </a:solidFill>
+            </a:endParaRPr>
+          </a:p>
+        </p:txBody>
+      </p:sp>
+      <p:sp>
+        <p:nvSpPr>
+          <p:cNvPr id="5" name="4 CuadroTexto"/>
+          <p:cNvSpPr txBox="1"/>
+          <p:nvPr/>
+        </p:nvSpPr>
+        <p:spPr>
+          <a:xfrm>
+            <a:off x="6572590" y="5214950"/>
+            <a:ext cx="2571410" cy="369332"/>
+          </a:xfrm>
+          <a:prstGeom prst="rect">
+            <a:avLst/>
+          </a:prstGeom>
+          <a:noFill/>
+        </p:spPr>
+        <p:txBody>
+          <a:bodyPr wrap="none" rtlCol="0">
+            <a:spAutoFit/>
+          </a:bodyPr>
+          <a:lstStyle/>
+          <a:p>
+            <a:r>
+              <a:rPr lang="es-ES" smtClean="0">
+                <a:solidFill>
+                  <a:srgbClr val="FF0000"/>
+                </a:solidFill>
+              </a:rPr>
+              <a:t>Solo si se quiere compilar</a:t>
+            </a:r>
+            <a:endParaRPr lang="es-ES">
+              <a:solidFill>
+                <a:srgbClr val="FF0000"/>
+              </a:solidFill>
+            </a:endParaRPr>
+          </a:p>
+        </p:txBody>
+      </p:sp>
+    </p:spTree>
+  </p:cSld>
+  <p:clrMapOvr>
+    <a:masterClrMapping/>
+  </p:clrMapOvr>
+  <p:timing>
+    <p:tnLst>
+      <p:par>
+        <p:cTn id="1" dur="indefinite" restart="never" nodeType="tmRoot"/>
+      </p:par>
+    </p:tnLst>
+  </p:timing>
+</p:sld>
+</file>
+
+<file path=ppt/slides/slide9.xml><?xml version="1.0" encoding="utf-8"?>
+<p:sld xmlns:a="http://schemas.openxmlformats.org/drawingml/2006/main" xmlns:r="http://schemas.openxmlformats.org/officeDocument/2006/relationships" xmlns:p="http://schemas.openxmlformats.org/presentationml/2006/main">
+  <p:cSld>
+    <p:spTree>
+      <p:nvGrpSpPr>
+        <p:cNvPr id="1" name=""/>
+        <p:cNvGrpSpPr/>
+        <p:nvPr/>
+      </p:nvGrpSpPr>
+      <p:grpSpPr>
+        <a:xfrm>
+          <a:off x="0" y="0"/>
+          <a:ext cx="0" cy="0"/>
+          <a:chOff x="0" y="0"/>
+          <a:chExt cx="0" cy="0"/>
+        </a:xfrm>
+      </p:grpSpPr>
+      <p:sp>
+        <p:nvSpPr>
+          <p:cNvPr id="2" name="1 Título"/>
+          <p:cNvSpPr>
+            <a:spLocks noGrp="1"/>
+          </p:cNvSpPr>
+          <p:nvPr>
+            <p:ph type="title"/>
+          </p:nvPr>
+        </p:nvSpPr>
+        <p:spPr/>
+        <p:txBody>
+          <a:bodyPr>
+            <a:normAutofit fontScale="90000"/>
+          </a:bodyPr>
+          <a:lstStyle/>
+          <a:p>
+            <a:r>
+              <a:rPr lang="es-ES" smtClean="0"/>
+              <a:t>Instalación del servidor Conditional Linked Data: Compilación</a:t>
+            </a:r>
+            <a:endParaRPr lang="es-ES"/>
+          </a:p>
+        </p:txBody>
+      </p:sp>
+      <p:sp>
+        <p:nvSpPr>
+          <p:cNvPr id="3" name="2 Marcador de contenido"/>
+          <p:cNvSpPr>
+            <a:spLocks noGrp="1"/>
+          </p:cNvSpPr>
+          <p:nvPr>
+            <p:ph idx="1"/>
+          </p:nvPr>
+        </p:nvSpPr>
+        <p:spPr/>
+        <p:txBody>
+          <a:bodyPr>
+            <a:normAutofit fontScale="92500" lnSpcReduction="20000"/>
+          </a:bodyPr>
+          <a:lstStyle/>
+          <a:p>
+            <a:r>
+              <a:rPr lang="es-ES" smtClean="0"/>
+              <a:t>Descargarlo</a:t>
+            </a:r>
+          </a:p>
+          <a:p>
+            <a:pPr marL="342900" lvl="1" indent="-342900">
+              <a:buNone/>
+            </a:pPr>
+            <a:r>
+              <a:rPr lang="es-ES" smtClean="0"/>
+              <a:t>	Para compilar, descargar el proyecto de </a:t>
+            </a:r>
+            <a:r>
+              <a:rPr lang="es-ES" smtClean="0">
+                <a:hlinkClick r:id="rId2"/>
+              </a:rPr>
+              <a:t>https://github.com/oeg-upm/ldconditional</a:t>
+            </a:r>
+            <a:endParaRPr lang="es-ES" smtClean="0"/>
+          </a:p>
+          <a:p>
+            <a:pPr>
+              <a:buNone/>
+            </a:pPr>
+            <a:r>
+              <a:rPr lang="es-ES" smtClean="0"/>
+              <a:t>	</a:t>
+            </a:r>
+            <a:r>
+              <a:rPr lang="es-ES" sz="3000" smtClean="0"/>
+              <a:t>hay una release con un archivo .zip con los binarios. descargar y descomprimir en cualquier directorio.</a:t>
+            </a:r>
+            <a:endParaRPr lang="es-ES" smtClean="0"/>
+          </a:p>
+          <a:p>
+            <a:r>
+              <a:rPr lang="es-ES" smtClean="0"/>
+              <a:t>Compilarlo</a:t>
+            </a:r>
+          </a:p>
+          <a:p>
+            <a:pPr lvl="1"/>
+            <a:r>
+              <a:rPr lang="es-ES" smtClean="0"/>
+              <a:t>Abrir consola en el directorio donde se ha descargado y compilar escribiendo:</a:t>
+            </a:r>
+          </a:p>
+          <a:p>
+            <a:pPr lvl="1">
+              <a:buNone/>
+            </a:pPr>
+            <a:r>
+              <a:rPr lang="es-ES" smtClean="0"/>
+              <a:t>	ant jar</a:t>
+            </a:r>
+          </a:p>
+          <a:p>
+            <a:r>
+              <a:rPr lang="es-ES" smtClean="0"/>
+              <a:t>Ejecutarlo</a:t>
+            </a:r>
+          </a:p>
+          <a:p>
+            <a:pPr lvl="1"/>
+            <a:r>
+              <a:rPr lang="es-ES" smtClean="0"/>
+              <a:t>Para ejecutarlo, lanzar “run.bat”</a:t>
+            </a:r>
+          </a:p>
+          <a:p>
+            <a:pPr>
+              <a:buNone/>
+            </a:pPr>
+            <a:endParaRPr lang="es-ES"/>
+          </a:p>
+        </p:txBody>
+      </p:sp>
+      <p:sp>
+        <p:nvSpPr>
+          <p:cNvPr id="4" name="3 CuadroTexto"/>
+          <p:cNvSpPr txBox="1"/>
+          <p:nvPr/>
+        </p:nvSpPr>
+        <p:spPr>
+          <a:xfrm>
+            <a:off x="8127375" y="0"/>
+            <a:ext cx="1016625" cy="369332"/>
+          </a:xfrm>
+          <a:prstGeom prst="rect">
+            <a:avLst/>
+          </a:prstGeom>
+          <a:noFill/>
+        </p:spPr>
+        <p:txBody>
+          <a:bodyPr wrap="none" rtlCol="0">
+            <a:spAutoFit/>
+          </a:bodyPr>
+          <a:lstStyle/>
+          <a:p>
+            <a:r>
+              <a:rPr lang="es-ES" smtClean="0">
+                <a:solidFill>
+                  <a:srgbClr val="FF0000"/>
+                </a:solidFill>
+              </a:rPr>
+              <a:t>Opcional</a:t>
             </a:r>
             <a:endParaRPr lang="es-ES">
               <a:solidFill>
